--- a/apache_spark_2x.pptx
+++ b/apache_spark_2x.pptx
@@ -29,8 +29,25 @@
     <p:sldId id="277" r:id="rId23"/>
     <p:sldId id="278" r:id="rId24"/>
     <p:sldId id="279" r:id="rId25"/>
-    <p:sldId id="280" r:id="rId26"/>
-    <p:sldId id="281" r:id="rId27"/>
+    <p:sldId id="284" r:id="rId26"/>
+    <p:sldId id="285" r:id="rId27"/>
+    <p:sldId id="286" r:id="rId28"/>
+    <p:sldId id="287" r:id="rId29"/>
+    <p:sldId id="288" r:id="rId30"/>
+    <p:sldId id="289" r:id="rId31"/>
+    <p:sldId id="290" r:id="rId32"/>
+    <p:sldId id="291" r:id="rId33"/>
+    <p:sldId id="292" r:id="rId34"/>
+    <p:sldId id="293" r:id="rId35"/>
+    <p:sldId id="294" r:id="rId36"/>
+    <p:sldId id="295" r:id="rId37"/>
+    <p:sldId id="296" r:id="rId38"/>
+    <p:sldId id="297" r:id="rId39"/>
+    <p:sldId id="280" r:id="rId40"/>
+    <p:sldId id="281" r:id="rId41"/>
+    <p:sldId id="283" r:id="rId42"/>
+    <p:sldId id="298" r:id="rId43"/>
+    <p:sldId id="282" r:id="rId44"/>
   </p:sldIdLst>
   <p:sldSz cx="12192000" cy="6858000"/>
   <p:notesSz cx="6858000" cy="9144000"/>
@@ -365,7 +382,7 @@
           <a:p>
             <a:fld id="{E6D5F55D-6D5D-4C8C-8496-ACBC405CD851}" type="datetimeFigureOut">
               <a:rPr lang="en-GB" smtClean="0"/>
-              <a:t>17/11/2024</a:t>
+              <a:t>18/11/2024</a:t>
             </a:fld>
             <a:endParaRPr lang="en-GB"/>
           </a:p>
@@ -573,7 +590,7 @@
           <a:p>
             <a:fld id="{E6D5F55D-6D5D-4C8C-8496-ACBC405CD851}" type="datetimeFigureOut">
               <a:rPr lang="en-GB" smtClean="0"/>
-              <a:t>17/11/2024</a:t>
+              <a:t>18/11/2024</a:t>
             </a:fld>
             <a:endParaRPr lang="en-GB"/>
           </a:p>
@@ -831,7 +848,7 @@
           <a:p>
             <a:fld id="{E6D5F55D-6D5D-4C8C-8496-ACBC405CD851}" type="datetimeFigureOut">
               <a:rPr lang="en-GB" smtClean="0"/>
-              <a:t>17/11/2024</a:t>
+              <a:t>18/11/2024</a:t>
             </a:fld>
             <a:endParaRPr lang="en-GB"/>
           </a:p>
@@ -1001,7 +1018,7 @@
           <a:p>
             <a:fld id="{E6D5F55D-6D5D-4C8C-8496-ACBC405CD851}" type="datetimeFigureOut">
               <a:rPr lang="en-GB" smtClean="0"/>
-              <a:t>17/11/2024</a:t>
+              <a:t>18/11/2024</a:t>
             </a:fld>
             <a:endParaRPr lang="en-GB"/>
           </a:p>
@@ -1338,7 +1355,7 @@
           <a:p>
             <a:fld id="{E6D5F55D-6D5D-4C8C-8496-ACBC405CD851}" type="datetimeFigureOut">
               <a:rPr lang="en-GB" smtClean="0"/>
-              <a:t>17/11/2024</a:t>
+              <a:t>18/11/2024</a:t>
             </a:fld>
             <a:endParaRPr lang="en-GB"/>
           </a:p>
@@ -1613,7 +1630,7 @@
           <a:p>
             <a:fld id="{E6D5F55D-6D5D-4C8C-8496-ACBC405CD851}" type="datetimeFigureOut">
               <a:rPr lang="en-GB" smtClean="0"/>
-              <a:t>17/11/2024</a:t>
+              <a:t>18/11/2024</a:t>
             </a:fld>
             <a:endParaRPr lang="en-GB"/>
           </a:p>
@@ -1992,7 +2009,7 @@
           <a:p>
             <a:fld id="{E6D5F55D-6D5D-4C8C-8496-ACBC405CD851}" type="datetimeFigureOut">
               <a:rPr lang="en-GB" smtClean="0"/>
-              <a:t>17/11/2024</a:t>
+              <a:t>18/11/2024</a:t>
             </a:fld>
             <a:endParaRPr lang="en-GB"/>
           </a:p>
@@ -2110,7 +2127,7 @@
           <a:p>
             <a:fld id="{E6D5F55D-6D5D-4C8C-8496-ACBC405CD851}" type="datetimeFigureOut">
               <a:rPr lang="en-GB" smtClean="0"/>
-              <a:t>17/11/2024</a:t>
+              <a:t>18/11/2024</a:t>
             </a:fld>
             <a:endParaRPr lang="en-GB"/>
           </a:p>
@@ -2283,7 +2300,7 @@
           <a:p>
             <a:fld id="{E6D5F55D-6D5D-4C8C-8496-ACBC405CD851}" type="datetimeFigureOut">
               <a:rPr lang="en-GB" smtClean="0"/>
-              <a:t>17/11/2024</a:t>
+              <a:t>18/11/2024</a:t>
             </a:fld>
             <a:endParaRPr lang="en-GB"/>
           </a:p>
@@ -2639,7 +2656,7 @@
           <a:p>
             <a:fld id="{E6D5F55D-6D5D-4C8C-8496-ACBC405CD851}" type="datetimeFigureOut">
               <a:rPr lang="en-GB" smtClean="0"/>
-              <a:t>17/11/2024</a:t>
+              <a:t>18/11/2024</a:t>
             </a:fld>
             <a:endParaRPr lang="en-GB"/>
           </a:p>
@@ -3018,7 +3035,7 @@
           <a:p>
             <a:fld id="{E6D5F55D-6D5D-4C8C-8496-ACBC405CD851}" type="datetimeFigureOut">
               <a:rPr lang="en-GB" smtClean="0"/>
-              <a:t>17/11/2024</a:t>
+              <a:t>18/11/2024</a:t>
             </a:fld>
             <a:endParaRPr lang="en-GB"/>
           </a:p>
@@ -3307,7 +3324,7 @@
           <a:p>
             <a:fld id="{E6D5F55D-6D5D-4C8C-8496-ACBC405CD851}" type="datetimeFigureOut">
               <a:rPr lang="en-GB" smtClean="0"/>
-              <a:t>17/11/2024</a:t>
+              <a:t>18/11/2024</a:t>
             </a:fld>
             <a:endParaRPr lang="en-GB"/>
           </a:p>
@@ -7420,7 +7437,7 @@
           <p:cNvPr id="2" name="Título 1">
             <a:extLst>
               <a:ext uri="{FF2B5EF4-FFF2-40B4-BE49-F238E27FC236}">
-                <a16:creationId xmlns:a16="http://schemas.microsoft.com/office/drawing/2014/main" id="{97463296-93B1-4DBD-8E55-99A9D58DD189}"/>
+                <a16:creationId xmlns:a16="http://schemas.microsoft.com/office/drawing/2014/main" id="{64D38286-7DAD-4F49-8130-147B8D1AF1EA}"/>
               </a:ext>
             </a:extLst>
           </p:cNvPr>
@@ -7437,9 +7454,18 @@
           <a:lstStyle/>
           <a:p>
             <a:r>
-              <a:rPr lang="en-GB" dirty="0"/>
-              <a:t>Spark 3.x New Concepts</a:t>
-            </a:r>
+              <a:rPr lang="pt-BR" dirty="0" err="1"/>
+              <a:t>Starting</a:t>
+            </a:r>
+            <a:r>
+              <a:rPr lang="pt-BR" dirty="0"/>
+              <a:t> in </a:t>
+            </a:r>
+            <a:r>
+              <a:rPr lang="pt-BR" dirty="0" err="1"/>
+              <a:t>Spark</a:t>
+            </a:r>
+            <a:endParaRPr lang="en-GB" dirty="0"/>
           </a:p>
         </p:txBody>
       </p:sp>
@@ -7448,7 +7474,7 @@
           <p:cNvPr id="3" name="Espaço Reservado para Conteúdo 2">
             <a:extLst>
               <a:ext uri="{FF2B5EF4-FFF2-40B4-BE49-F238E27FC236}">
-                <a16:creationId xmlns:a16="http://schemas.microsoft.com/office/drawing/2014/main" id="{E341F206-CB58-4BE3-B74C-9AA593C36ACA}"/>
+                <a16:creationId xmlns:a16="http://schemas.microsoft.com/office/drawing/2014/main" id="{9D5B8505-DAA9-451A-B53F-2E98AD5BA8A7}"/>
               </a:ext>
             </a:extLst>
           </p:cNvPr>
@@ -7459,66 +7485,106 @@
             <p:ph idx="1"/>
           </p:nvPr>
         </p:nvSpPr>
+        <p:spPr/>
+        <p:txBody>
+          <a:bodyPr/>
+          <a:lstStyle/>
+          <a:p>
+            <a:r>
+              <a:rPr lang="en-GB" dirty="0"/>
+              <a:t>Set Up Spark:</a:t>
+            </a:r>
+          </a:p>
+          <a:p>
+            <a:pPr lvl="1"/>
+            <a:r>
+              <a:rPr lang="en-GB" dirty="0"/>
+              <a:t>Install Spark locally or deploy it on a cluster (e.g., Hadoop, Kubernetes, or Standalone mode).</a:t>
+            </a:r>
+          </a:p>
+          <a:p>
+            <a:pPr lvl="1"/>
+            <a:r>
+              <a:rPr lang="en-GB" dirty="0"/>
+              <a:t>Configure Spark to connect with your data sources (e.g., HDFS, S3, or local files).</a:t>
+            </a:r>
+          </a:p>
+          <a:p>
+            <a:pPr lvl="1"/>
+            <a:endParaRPr lang="en-GB" dirty="0"/>
+          </a:p>
+          <a:p>
+            <a:r>
+              <a:rPr lang="en-GB" dirty="0"/>
+              <a:t>Write Your First Spark Application:</a:t>
+            </a:r>
+          </a:p>
+          <a:p>
+            <a:pPr lvl="1"/>
+            <a:r>
+              <a:rPr lang="en-GB" dirty="0"/>
+              <a:t>Use one of Spark's supported languages: Scala, Python, Java, or R.</a:t>
+            </a:r>
+          </a:p>
+          <a:p>
+            <a:pPr lvl="1"/>
+            <a:r>
+              <a:rPr lang="en-GB" dirty="0"/>
+              <a:t>Start by creating a </a:t>
+            </a:r>
+            <a:r>
+              <a:rPr lang="en-GB" dirty="0" err="1"/>
+              <a:t>SparkSession</a:t>
+            </a:r>
+            <a:r>
+              <a:rPr lang="en-GB" dirty="0"/>
+              <a:t> to work with </a:t>
+            </a:r>
+            <a:r>
+              <a:rPr lang="en-GB" dirty="0" err="1"/>
+              <a:t>DataFrames</a:t>
+            </a:r>
+            <a:r>
+              <a:rPr lang="en-GB" dirty="0"/>
+              <a:t> or Datasets.</a:t>
+            </a:r>
+          </a:p>
+        </p:txBody>
+      </p:sp>
+      <p:pic>
+        <p:nvPicPr>
+          <p:cNvPr id="5" name="Imagem 4">
+            <a:extLst>
+              <a:ext uri="{FF2B5EF4-FFF2-40B4-BE49-F238E27FC236}">
+                <a16:creationId xmlns:a16="http://schemas.microsoft.com/office/drawing/2014/main" id="{FDB11FEC-27E4-449C-9606-BBBB8125A5BE}"/>
+              </a:ext>
+            </a:extLst>
+          </p:cNvPr>
+          <p:cNvPicPr>
+            <a:picLocks noChangeAspect="1"/>
+          </p:cNvPicPr>
+          <p:nvPr/>
+        </p:nvPicPr>
+        <p:blipFill>
+          <a:blip r:embed="rId2"/>
+          <a:stretch>
+            <a:fillRect/>
+          </a:stretch>
+        </p:blipFill>
         <p:spPr>
           <a:xfrm>
-            <a:off x="1097280" y="1845734"/>
-            <a:ext cx="10058400" cy="4305684"/>
+            <a:off x="1374174" y="4425392"/>
+            <a:ext cx="4533900" cy="1285875"/>
           </a:xfrm>
+          <a:prstGeom prst="rect">
+            <a:avLst/>
+          </a:prstGeom>
         </p:spPr>
-        <p:txBody>
-          <a:bodyPr>
-            <a:normAutofit/>
-          </a:bodyPr>
-          <a:lstStyle/>
-          <a:p>
-            <a:r>
-              <a:rPr lang="en-GB" b="1" dirty="0"/>
-              <a:t>Dynamic Partition Pruning (DPP)</a:t>
-            </a:r>
-            <a:r>
-              <a:rPr lang="en-GB" dirty="0"/>
-              <a:t>: Introduced in Spark 3.0, DPP is a performance improvement for SQL analytics workloads. It enables the optimizer to prune partitions dynamically during query execution, reducing the amount of data being processed and improving query performance.</a:t>
-            </a:r>
-          </a:p>
-          <a:p>
-            <a:r>
-              <a:rPr lang="en-GB" b="1" dirty="0"/>
-              <a:t>Adaptive Query Execution</a:t>
-            </a:r>
-            <a:r>
-              <a:rPr lang="en-GB" dirty="0"/>
-              <a:t>: Spark 3.x introduces adaptive query execution, which allows the optimizer to adjust query plans based on runtime statistics. This feature helps optimize query performance and reduces the need for manual tuning.</a:t>
-            </a:r>
-          </a:p>
-          <a:p>
-            <a:r>
-              <a:rPr lang="en-GB" b="1" dirty="0"/>
-              <a:t>ANSI SQL Compliance</a:t>
-            </a:r>
-            <a:r>
-              <a:rPr lang="en-GB" dirty="0"/>
-              <a:t>: Spark 3.x improves ANSI SQL compliance, making it easier to integrate with BI tools and other SQL-based systems. This feature provides better support for standard SQL features and reduces the need for custom SQL syntax.</a:t>
-            </a:r>
-          </a:p>
-          <a:p>
-            <a:r>
-              <a:rPr lang="en-GB" b="1" dirty="0"/>
-              <a:t>Pandas API Redesign</a:t>
-            </a:r>
-            <a:r>
-              <a:rPr lang="en-GB" dirty="0"/>
-              <a:t>: The Pandas API has been redesigned in Spark 3.x, with improved type hints, new UDF types, and more Pythonic error handling. This redesign aims to make Pandas-based data processing more efficient and easier to use.</a:t>
-            </a:r>
-          </a:p>
-          <a:p>
-            <a:endParaRPr lang="en-GB" dirty="0"/>
-          </a:p>
-        </p:txBody>
-      </p:sp>
+      </p:pic>
     </p:spTree>
     <p:extLst>
       <p:ext uri="{BB962C8B-B14F-4D97-AF65-F5344CB8AC3E}">
-        <p14:creationId xmlns:p14="http://schemas.microsoft.com/office/powerpoint/2010/main" val="3787603182"/>
+        <p14:creationId xmlns:p14="http://schemas.microsoft.com/office/powerpoint/2010/main" val="1270088809"/>
       </p:ext>
     </p:extLst>
   </p:cSld>
@@ -7550,7 +7616,7 @@
           <p:cNvPr id="2" name="Título 1">
             <a:extLst>
               <a:ext uri="{FF2B5EF4-FFF2-40B4-BE49-F238E27FC236}">
-                <a16:creationId xmlns:a16="http://schemas.microsoft.com/office/drawing/2014/main" id="{5E1D2AFF-AE6D-47C6-85BF-73AB3B2B6F03}"/>
+                <a16:creationId xmlns:a16="http://schemas.microsoft.com/office/drawing/2014/main" id="{A48C9602-DEB5-41FD-BD86-68F71D42D32A}"/>
               </a:ext>
             </a:extLst>
           </p:cNvPr>
@@ -7567,9 +7633,169 @@
           <a:lstStyle/>
           <a:p>
             <a:r>
-              <a:rPr lang="en-GB" dirty="0"/>
-              <a:t>Spark 3.x New Concepts</a:t>
-            </a:r>
+              <a:rPr lang="pt-BR" dirty="0" err="1"/>
+              <a:t>Starting</a:t>
+            </a:r>
+            <a:r>
+              <a:rPr lang="pt-BR" dirty="0"/>
+              <a:t> in </a:t>
+            </a:r>
+            <a:r>
+              <a:rPr lang="pt-BR" dirty="0" err="1"/>
+              <a:t>Spark</a:t>
+            </a:r>
+            <a:endParaRPr lang="en-GB" dirty="0"/>
+          </a:p>
+        </p:txBody>
+      </p:sp>
+      <p:pic>
+        <p:nvPicPr>
+          <p:cNvPr id="4" name="Espaço Reservado para Conteúdo 3">
+            <a:extLst>
+              <a:ext uri="{FF2B5EF4-FFF2-40B4-BE49-F238E27FC236}">
+                <a16:creationId xmlns:a16="http://schemas.microsoft.com/office/drawing/2014/main" id="{499BDAD3-DE1C-4CA3-A5E7-EF38448AC0EA}"/>
+              </a:ext>
+            </a:extLst>
+          </p:cNvPr>
+          <p:cNvPicPr>
+            <a:picLocks noGrp="1" noChangeAspect="1"/>
+          </p:cNvPicPr>
+          <p:nvPr>
+            <p:ph idx="1"/>
+          </p:nvPr>
+        </p:nvPicPr>
+        <p:blipFill>
+          <a:blip r:embed="rId2"/>
+          <a:stretch>
+            <a:fillRect/>
+          </a:stretch>
+        </p:blipFill>
+        <p:spPr>
+          <a:xfrm>
+            <a:off x="1097280" y="1887452"/>
+            <a:ext cx="4684692" cy="4022725"/>
+          </a:xfrm>
+          <a:prstGeom prst="rect">
+            <a:avLst/>
+          </a:prstGeom>
+        </p:spPr>
+      </p:pic>
+      <p:sp>
+        <p:nvSpPr>
+          <p:cNvPr id="5" name="Retângulo 4">
+            <a:extLst>
+              <a:ext uri="{FF2B5EF4-FFF2-40B4-BE49-F238E27FC236}">
+                <a16:creationId xmlns:a16="http://schemas.microsoft.com/office/drawing/2014/main" id="{6E4A388E-4843-4B26-8361-E3FD27CF6A36}"/>
+              </a:ext>
+            </a:extLst>
+          </p:cNvPr>
+          <p:cNvSpPr/>
+          <p:nvPr/>
+        </p:nvSpPr>
+        <p:spPr>
+          <a:xfrm>
+            <a:off x="6096000" y="4596883"/>
+            <a:ext cx="4234249" cy="1200329"/>
+          </a:xfrm>
+          <a:prstGeom prst="rect">
+            <a:avLst/>
+          </a:prstGeom>
+        </p:spPr>
+        <p:txBody>
+          <a:bodyPr wrap="square">
+            <a:spAutoFit/>
+          </a:bodyPr>
+          <a:lstStyle/>
+          <a:p>
+            <a:r>
+              <a:rPr lang="en-GB" dirty="0"/>
+              <a:t>Source: </a:t>
+            </a:r>
+            <a:r>
+              <a:rPr lang="en-GB" dirty="0">
+                <a:hlinkClick r:id="rId3"/>
+              </a:rPr>
+              <a:t>https://github.com/robertoprjr/ss-lib/blob/main/src/main/scala/libs/StartLib.scala</a:t>
+            </a:r>
+            <a:endParaRPr lang="en-GB" dirty="0"/>
+          </a:p>
+          <a:p>
+            <a:endParaRPr lang="en-GB" dirty="0"/>
+          </a:p>
+        </p:txBody>
+      </p:sp>
+    </p:spTree>
+    <p:extLst>
+      <p:ext uri="{BB962C8B-B14F-4D97-AF65-F5344CB8AC3E}">
+        <p14:creationId xmlns:p14="http://schemas.microsoft.com/office/powerpoint/2010/main" val="3077266548"/>
+      </p:ext>
+    </p:extLst>
+  </p:cSld>
+  <p:clrMapOvr>
+    <a:masterClrMapping/>
+  </p:clrMapOvr>
+</p:sld>
+</file>
+
+<file path=ppt/slides/slide27.xml><?xml version="1.0" encoding="utf-8"?>
+<p:sld xmlns:a="http://schemas.openxmlformats.org/drawingml/2006/main" xmlns:r="http://schemas.openxmlformats.org/officeDocument/2006/relationships" xmlns:p="http://schemas.openxmlformats.org/presentationml/2006/main">
+  <p:cSld>
+    <p:spTree>
+      <p:nvGrpSpPr>
+        <p:cNvPr id="1" name=""/>
+        <p:cNvGrpSpPr/>
+        <p:nvPr/>
+      </p:nvGrpSpPr>
+      <p:grpSpPr>
+        <a:xfrm>
+          <a:off x="0" y="0"/>
+          <a:ext cx="0" cy="0"/>
+          <a:chOff x="0" y="0"/>
+          <a:chExt cx="0" cy="0"/>
+        </a:xfrm>
+      </p:grpSpPr>
+      <p:sp>
+        <p:nvSpPr>
+          <p:cNvPr id="2" name="Título 1">
+            <a:extLst>
+              <a:ext uri="{FF2B5EF4-FFF2-40B4-BE49-F238E27FC236}">
+                <a16:creationId xmlns:a16="http://schemas.microsoft.com/office/drawing/2014/main" id="{B907F269-717B-4414-B45A-3D847ECEFDB5}"/>
+              </a:ext>
+            </a:extLst>
+          </p:cNvPr>
+          <p:cNvSpPr>
+            <a:spLocks noGrp="1"/>
+          </p:cNvSpPr>
+          <p:nvPr>
+            <p:ph type="title"/>
+          </p:nvPr>
+        </p:nvSpPr>
+        <p:spPr/>
+        <p:txBody>
+          <a:bodyPr/>
+          <a:lstStyle/>
+          <a:p>
+            <a:r>
+              <a:rPr lang="pt-BR" dirty="0" err="1"/>
+              <a:t>Starting</a:t>
+            </a:r>
+            <a:r>
+              <a:rPr lang="pt-BR" dirty="0"/>
+              <a:t> in </a:t>
+            </a:r>
+            <a:r>
+              <a:rPr lang="pt-BR" dirty="0" err="1"/>
+              <a:t>Spark</a:t>
+            </a:r>
+            <a:r>
+              <a:rPr lang="pt-BR" dirty="0"/>
+              <a:t>: </a:t>
+            </a:r>
+            <a:r>
+              <a:rPr lang="pt-BR" dirty="0" err="1"/>
+              <a:t>Databricks</a:t>
+            </a:r>
+            <a:endParaRPr lang="en-GB" dirty="0"/>
           </a:p>
         </p:txBody>
       </p:sp>
@@ -7578,7 +7804,7 @@
           <p:cNvPr id="3" name="Espaço Reservado para Conteúdo 2">
             <a:extLst>
               <a:ext uri="{FF2B5EF4-FFF2-40B4-BE49-F238E27FC236}">
-                <a16:creationId xmlns:a16="http://schemas.microsoft.com/office/drawing/2014/main" id="{E8350072-5D5D-4CA6-B0E9-EEBEA34186A9}"/>
+                <a16:creationId xmlns:a16="http://schemas.microsoft.com/office/drawing/2014/main" id="{6C9AAF91-E972-4BC4-9BBC-050DB4A59BED}"/>
               </a:ext>
             </a:extLst>
           </p:cNvPr>
@@ -7594,70 +7820,301 @@
           <a:bodyPr/>
           <a:lstStyle/>
           <a:p>
-            <a:r>
-              <a:rPr lang="en-GB" b="1" dirty="0" err="1"/>
-              <a:t>Trigger.AvailableNow</a:t>
-            </a:r>
-            <a:r>
-              <a:rPr lang="en-GB" dirty="0"/>
-              <a:t>: Introduced in Spark 3.3.0, </a:t>
-            </a:r>
-            <a:r>
-              <a:rPr lang="en-GB" dirty="0" err="1"/>
-              <a:t>Trigger.AvailableNow</a:t>
-            </a:r>
-            <a:r>
-              <a:rPr lang="en-GB" dirty="0"/>
-              <a:t> allows running streaming queries like </a:t>
-            </a:r>
-            <a:r>
-              <a:rPr lang="en-GB" dirty="0" err="1"/>
-              <a:t>Trigger.Once</a:t>
-            </a:r>
-            <a:r>
-              <a:rPr lang="en-GB" dirty="0"/>
-              <a:t> in multiple batches, improving the flexibility and scalability of streaming workloads.</a:t>
-            </a:r>
-          </a:p>
-          <a:p>
-            <a:r>
-              <a:rPr lang="en-GB" b="1" dirty="0"/>
-              <a:t>DS V2 Push Down Capabilities</a:t>
-            </a:r>
-            <a:r>
-              <a:rPr lang="en-GB" dirty="0"/>
-              <a:t>: Spark 3.x introduces more comprehensive DS V2 push down capabilities, enabling more efficient data processing and reducing the need for data movement.</a:t>
-            </a:r>
-          </a:p>
-          <a:p>
-            <a:r>
-              <a:rPr lang="en-GB" b="1" dirty="0"/>
-              <a:t>Logical Plan Visitor</a:t>
-            </a:r>
-            <a:r>
-              <a:rPr lang="en-GB" dirty="0"/>
-              <a:t>: A new logical plan visitor has been added to propagate distinct attributes, improving the accuracy and efficiency of query optimization.</a:t>
-            </a:r>
-          </a:p>
-          <a:p>
-            <a:r>
-              <a:rPr lang="en-GB" b="1" dirty="0"/>
-              <a:t>Accelerator-Aware Scheduler</a:t>
-            </a:r>
-            <a:r>
-              <a:rPr lang="en-GB" dirty="0"/>
-              <a:t>: Spark 3.x includes an accelerator-aware scheduler, which optimizes query execution by taking into account the availability and performance characteristics of various accelerators (e.g., GPUs, TPUs).</a:t>
-            </a:r>
-          </a:p>
-          <a:p>
             <a:endParaRPr lang="en-GB" dirty="0"/>
           </a:p>
         </p:txBody>
       </p:sp>
+      <p:pic>
+        <p:nvPicPr>
+          <p:cNvPr id="4" name="Imagem 3">
+            <a:extLst>
+              <a:ext uri="{FF2B5EF4-FFF2-40B4-BE49-F238E27FC236}">
+                <a16:creationId xmlns:a16="http://schemas.microsoft.com/office/drawing/2014/main" id="{DB8C43DF-1685-43A4-A332-7ADB19BDE48B}"/>
+              </a:ext>
+            </a:extLst>
+          </p:cNvPr>
+          <p:cNvPicPr>
+            <a:picLocks noChangeAspect="1"/>
+          </p:cNvPicPr>
+          <p:nvPr/>
+        </p:nvPicPr>
+        <p:blipFill>
+          <a:blip r:embed="rId2"/>
+          <a:stretch>
+            <a:fillRect/>
+          </a:stretch>
+        </p:blipFill>
+        <p:spPr>
+          <a:xfrm>
+            <a:off x="1097280" y="1921475"/>
+            <a:ext cx="4743450" cy="3286125"/>
+          </a:xfrm>
+          <a:prstGeom prst="rect">
+            <a:avLst/>
+          </a:prstGeom>
+        </p:spPr>
+      </p:pic>
+      <p:pic>
+        <p:nvPicPr>
+          <p:cNvPr id="5" name="Imagem 4">
+            <a:extLst>
+              <a:ext uri="{FF2B5EF4-FFF2-40B4-BE49-F238E27FC236}">
+                <a16:creationId xmlns:a16="http://schemas.microsoft.com/office/drawing/2014/main" id="{127BA81A-18BD-451A-BBE1-1F112BF608A1}"/>
+              </a:ext>
+            </a:extLst>
+          </p:cNvPr>
+          <p:cNvPicPr>
+            <a:picLocks noChangeAspect="1"/>
+          </p:cNvPicPr>
+          <p:nvPr/>
+        </p:nvPicPr>
+        <p:blipFill>
+          <a:blip r:embed="rId3"/>
+          <a:stretch>
+            <a:fillRect/>
+          </a:stretch>
+        </p:blipFill>
+        <p:spPr>
+          <a:xfrm>
+            <a:off x="5614216" y="2587342"/>
+            <a:ext cx="5333872" cy="2203603"/>
+          </a:xfrm>
+          <a:prstGeom prst="rect">
+            <a:avLst/>
+          </a:prstGeom>
+        </p:spPr>
+      </p:pic>
     </p:spTree>
     <p:extLst>
       <p:ext uri="{BB962C8B-B14F-4D97-AF65-F5344CB8AC3E}">
-        <p14:creationId xmlns:p14="http://schemas.microsoft.com/office/powerpoint/2010/main" val="3958946285"/>
+        <p14:creationId xmlns:p14="http://schemas.microsoft.com/office/powerpoint/2010/main" val="1481431081"/>
+      </p:ext>
+    </p:extLst>
+  </p:cSld>
+  <p:clrMapOvr>
+    <a:masterClrMapping/>
+  </p:clrMapOvr>
+</p:sld>
+</file>
+
+<file path=ppt/slides/slide28.xml><?xml version="1.0" encoding="utf-8"?>
+<p:sld xmlns:a="http://schemas.openxmlformats.org/drawingml/2006/main" xmlns:r="http://schemas.openxmlformats.org/officeDocument/2006/relationships" xmlns:p="http://schemas.openxmlformats.org/presentationml/2006/main">
+  <p:cSld>
+    <p:spTree>
+      <p:nvGrpSpPr>
+        <p:cNvPr id="1" name=""/>
+        <p:cNvGrpSpPr/>
+        <p:nvPr/>
+      </p:nvGrpSpPr>
+      <p:grpSpPr>
+        <a:xfrm>
+          <a:off x="0" y="0"/>
+          <a:ext cx="0" cy="0"/>
+          <a:chOff x="0" y="0"/>
+          <a:chExt cx="0" cy="0"/>
+        </a:xfrm>
+      </p:grpSpPr>
+      <p:sp>
+        <p:nvSpPr>
+          <p:cNvPr id="2" name="Título 1">
+            <a:extLst>
+              <a:ext uri="{FF2B5EF4-FFF2-40B4-BE49-F238E27FC236}">
+                <a16:creationId xmlns:a16="http://schemas.microsoft.com/office/drawing/2014/main" id="{E518FDA2-7C3F-4B99-BF1D-E70C6C4A0E26}"/>
+              </a:ext>
+            </a:extLst>
+          </p:cNvPr>
+          <p:cNvSpPr>
+            <a:spLocks noGrp="1"/>
+          </p:cNvSpPr>
+          <p:nvPr>
+            <p:ph type="title"/>
+          </p:nvPr>
+        </p:nvSpPr>
+        <p:spPr/>
+        <p:txBody>
+          <a:bodyPr/>
+          <a:lstStyle/>
+          <a:p>
+            <a:r>
+              <a:rPr lang="pt-BR" dirty="0" err="1"/>
+              <a:t>Starting</a:t>
+            </a:r>
+            <a:r>
+              <a:rPr lang="pt-BR" dirty="0"/>
+              <a:t> in </a:t>
+            </a:r>
+            <a:r>
+              <a:rPr lang="pt-BR" dirty="0" err="1"/>
+              <a:t>Spark</a:t>
+            </a:r>
+            <a:r>
+              <a:rPr lang="pt-BR" dirty="0"/>
+              <a:t>: </a:t>
+            </a:r>
+            <a:r>
+              <a:rPr lang="pt-BR" dirty="0" err="1"/>
+              <a:t>Databricks</a:t>
+            </a:r>
+            <a:endParaRPr lang="en-GB" dirty="0"/>
+          </a:p>
+        </p:txBody>
+      </p:sp>
+      <p:pic>
+        <p:nvPicPr>
+          <p:cNvPr id="4" name="Espaço Reservado para Conteúdo 3">
+            <a:extLst>
+              <a:ext uri="{FF2B5EF4-FFF2-40B4-BE49-F238E27FC236}">
+                <a16:creationId xmlns:a16="http://schemas.microsoft.com/office/drawing/2014/main" id="{9550039E-240E-42F0-9C8A-67FE8552D7F5}"/>
+              </a:ext>
+            </a:extLst>
+          </p:cNvPr>
+          <p:cNvPicPr>
+            <a:picLocks noGrp="1" noChangeAspect="1"/>
+          </p:cNvPicPr>
+          <p:nvPr>
+            <p:ph idx="1"/>
+          </p:nvPr>
+        </p:nvPicPr>
+        <p:blipFill>
+          <a:blip r:embed="rId2"/>
+          <a:stretch>
+            <a:fillRect/>
+          </a:stretch>
+        </p:blipFill>
+        <p:spPr>
+          <a:xfrm>
+            <a:off x="2354293" y="1846263"/>
+            <a:ext cx="7543739" cy="4022725"/>
+          </a:xfrm>
+          <a:prstGeom prst="rect">
+            <a:avLst/>
+          </a:prstGeom>
+        </p:spPr>
+      </p:pic>
+    </p:spTree>
+    <p:extLst>
+      <p:ext uri="{BB962C8B-B14F-4D97-AF65-F5344CB8AC3E}">
+        <p14:creationId xmlns:p14="http://schemas.microsoft.com/office/powerpoint/2010/main" val="4065635318"/>
+      </p:ext>
+    </p:extLst>
+  </p:cSld>
+  <p:clrMapOvr>
+    <a:masterClrMapping/>
+  </p:clrMapOvr>
+</p:sld>
+</file>
+
+<file path=ppt/slides/slide29.xml><?xml version="1.0" encoding="utf-8"?>
+<p:sld xmlns:a="http://schemas.openxmlformats.org/drawingml/2006/main" xmlns:r="http://schemas.openxmlformats.org/officeDocument/2006/relationships" xmlns:p="http://schemas.openxmlformats.org/presentationml/2006/main">
+  <p:cSld>
+    <p:spTree>
+      <p:nvGrpSpPr>
+        <p:cNvPr id="1" name=""/>
+        <p:cNvGrpSpPr/>
+        <p:nvPr/>
+      </p:nvGrpSpPr>
+      <p:grpSpPr>
+        <a:xfrm>
+          <a:off x="0" y="0"/>
+          <a:ext cx="0" cy="0"/>
+          <a:chOff x="0" y="0"/>
+          <a:chExt cx="0" cy="0"/>
+        </a:xfrm>
+      </p:grpSpPr>
+      <p:sp>
+        <p:nvSpPr>
+          <p:cNvPr id="2" name="Título 1">
+            <a:extLst>
+              <a:ext uri="{FF2B5EF4-FFF2-40B4-BE49-F238E27FC236}">
+                <a16:creationId xmlns:a16="http://schemas.microsoft.com/office/drawing/2014/main" id="{E16C036A-EEAB-4251-9100-392FBBD5B171}"/>
+              </a:ext>
+            </a:extLst>
+          </p:cNvPr>
+          <p:cNvSpPr>
+            <a:spLocks noGrp="1"/>
+          </p:cNvSpPr>
+          <p:nvPr>
+            <p:ph type="title"/>
+          </p:nvPr>
+        </p:nvSpPr>
+        <p:spPr/>
+        <p:txBody>
+          <a:bodyPr/>
+          <a:lstStyle/>
+          <a:p>
+            <a:r>
+              <a:rPr lang="pt-BR" dirty="0" err="1"/>
+              <a:t>Databricks</a:t>
+            </a:r>
+            <a:r>
+              <a:rPr lang="pt-BR" dirty="0"/>
+              <a:t> Notebook</a:t>
+            </a:r>
+            <a:endParaRPr lang="en-GB" dirty="0"/>
+          </a:p>
+        </p:txBody>
+      </p:sp>
+      <p:sp>
+        <p:nvSpPr>
+          <p:cNvPr id="3" name="Espaço Reservado para Conteúdo 2">
+            <a:extLst>
+              <a:ext uri="{FF2B5EF4-FFF2-40B4-BE49-F238E27FC236}">
+                <a16:creationId xmlns:a16="http://schemas.microsoft.com/office/drawing/2014/main" id="{DF604B2A-CCA3-46EF-AF04-FD72CB119C2A}"/>
+              </a:ext>
+            </a:extLst>
+          </p:cNvPr>
+          <p:cNvSpPr>
+            <a:spLocks noGrp="1"/>
+          </p:cNvSpPr>
+          <p:nvPr>
+            <p:ph idx="1"/>
+          </p:nvPr>
+        </p:nvSpPr>
+        <p:spPr/>
+        <p:txBody>
+          <a:bodyPr/>
+          <a:lstStyle/>
+          <a:p>
+            <a:r>
+              <a:rPr lang="pt-BR" dirty="0"/>
+              <a:t>Notebook </a:t>
+            </a:r>
+            <a:r>
+              <a:rPr lang="pt-BR" dirty="0" err="1"/>
+              <a:t>with</a:t>
+            </a:r>
+            <a:r>
+              <a:rPr lang="pt-BR" dirty="0"/>
+              <a:t> </a:t>
+            </a:r>
+            <a:r>
+              <a:rPr lang="pt-BR" dirty="0" err="1"/>
+              <a:t>examples</a:t>
+            </a:r>
+            <a:r>
+              <a:rPr lang="pt-BR" dirty="0"/>
+              <a:t>:</a:t>
+            </a:r>
+            <a:endParaRPr lang="en-GB" dirty="0"/>
+          </a:p>
+          <a:p>
+            <a:r>
+              <a:rPr lang="en-GB" dirty="0">
+                <a:hlinkClick r:id="rId2"/>
+              </a:rPr>
+              <a:t>https://databricks-prod-cloudfront.cloud.databricks.com/public/4027ec902e239c93eaaa8714f173bcfc/2344650012048761/1284899095684679/2657778362986166/latest.html</a:t>
+            </a:r>
+            <a:endParaRPr lang="en-GB" dirty="0"/>
+          </a:p>
+          <a:p>
+            <a:endParaRPr lang="en-GB" dirty="0"/>
+          </a:p>
+        </p:txBody>
+      </p:sp>
+    </p:spTree>
+    <p:extLst>
+      <p:ext uri="{BB962C8B-B14F-4D97-AF65-F5344CB8AC3E}">
+        <p14:creationId xmlns:p14="http://schemas.microsoft.com/office/powerpoint/2010/main" val="2721184864"/>
       </p:ext>
     </p:extLst>
   </p:cSld>
@@ -7856,6 +8313,1085 @@
 </p:sld>
 </file>
 
+<file path=ppt/slides/slide30.xml><?xml version="1.0" encoding="utf-8"?>
+<p:sld xmlns:a="http://schemas.openxmlformats.org/drawingml/2006/main" xmlns:r="http://schemas.openxmlformats.org/officeDocument/2006/relationships" xmlns:p="http://schemas.openxmlformats.org/presentationml/2006/main">
+  <p:cSld>
+    <p:spTree>
+      <p:nvGrpSpPr>
+        <p:cNvPr id="1" name=""/>
+        <p:cNvGrpSpPr/>
+        <p:nvPr/>
+      </p:nvGrpSpPr>
+      <p:grpSpPr>
+        <a:xfrm>
+          <a:off x="0" y="0"/>
+          <a:ext cx="0" cy="0"/>
+          <a:chOff x="0" y="0"/>
+          <a:chExt cx="0" cy="0"/>
+        </a:xfrm>
+      </p:grpSpPr>
+      <p:sp>
+        <p:nvSpPr>
+          <p:cNvPr id="2" name="Título 1">
+            <a:extLst>
+              <a:ext uri="{FF2B5EF4-FFF2-40B4-BE49-F238E27FC236}">
+                <a16:creationId xmlns:a16="http://schemas.microsoft.com/office/drawing/2014/main" id="{82897114-FED5-4496-9D92-475F681703E6}"/>
+              </a:ext>
+            </a:extLst>
+          </p:cNvPr>
+          <p:cNvSpPr>
+            <a:spLocks noGrp="1"/>
+          </p:cNvSpPr>
+          <p:nvPr>
+            <p:ph type="title"/>
+          </p:nvPr>
+        </p:nvSpPr>
+        <p:spPr/>
+        <p:txBody>
+          <a:bodyPr/>
+          <a:lstStyle/>
+          <a:p>
+            <a:r>
+              <a:rPr lang="pt-BR" dirty="0" err="1"/>
+              <a:t>Creating</a:t>
+            </a:r>
+            <a:r>
+              <a:rPr lang="pt-BR" dirty="0"/>
+              <a:t> </a:t>
+            </a:r>
+            <a:r>
+              <a:rPr lang="pt-BR" dirty="0" err="1"/>
+              <a:t>Dataframes</a:t>
+            </a:r>
+            <a:endParaRPr lang="en-GB" dirty="0"/>
+          </a:p>
+        </p:txBody>
+      </p:sp>
+      <p:pic>
+        <p:nvPicPr>
+          <p:cNvPr id="4" name="Espaço Reservado para Conteúdo 3">
+            <a:extLst>
+              <a:ext uri="{FF2B5EF4-FFF2-40B4-BE49-F238E27FC236}">
+                <a16:creationId xmlns:a16="http://schemas.microsoft.com/office/drawing/2014/main" id="{19B770F3-0AC5-4022-AB79-94EE466AF215}"/>
+              </a:ext>
+            </a:extLst>
+          </p:cNvPr>
+          <p:cNvPicPr>
+            <a:picLocks noGrp="1" noChangeAspect="1"/>
+          </p:cNvPicPr>
+          <p:nvPr>
+            <p:ph idx="1"/>
+          </p:nvPr>
+        </p:nvPicPr>
+        <p:blipFill>
+          <a:blip r:embed="rId2"/>
+          <a:stretch>
+            <a:fillRect/>
+          </a:stretch>
+        </p:blipFill>
+        <p:spPr>
+          <a:xfrm>
+            <a:off x="1196628" y="1912166"/>
+            <a:ext cx="6514508" cy="4022725"/>
+          </a:xfrm>
+          <a:prstGeom prst="rect">
+            <a:avLst/>
+          </a:prstGeom>
+        </p:spPr>
+      </p:pic>
+    </p:spTree>
+    <p:extLst>
+      <p:ext uri="{BB962C8B-B14F-4D97-AF65-F5344CB8AC3E}">
+        <p14:creationId xmlns:p14="http://schemas.microsoft.com/office/powerpoint/2010/main" val="83872434"/>
+      </p:ext>
+    </p:extLst>
+  </p:cSld>
+  <p:clrMapOvr>
+    <a:masterClrMapping/>
+  </p:clrMapOvr>
+</p:sld>
+</file>
+
+<file path=ppt/slides/slide31.xml><?xml version="1.0" encoding="utf-8"?>
+<p:sld xmlns:a="http://schemas.openxmlformats.org/drawingml/2006/main" xmlns:r="http://schemas.openxmlformats.org/officeDocument/2006/relationships" xmlns:p="http://schemas.openxmlformats.org/presentationml/2006/main">
+  <p:cSld>
+    <p:spTree>
+      <p:nvGrpSpPr>
+        <p:cNvPr id="1" name=""/>
+        <p:cNvGrpSpPr/>
+        <p:nvPr/>
+      </p:nvGrpSpPr>
+      <p:grpSpPr>
+        <a:xfrm>
+          <a:off x="0" y="0"/>
+          <a:ext cx="0" cy="0"/>
+          <a:chOff x="0" y="0"/>
+          <a:chExt cx="0" cy="0"/>
+        </a:xfrm>
+      </p:grpSpPr>
+      <p:sp>
+        <p:nvSpPr>
+          <p:cNvPr id="2" name="Título 1">
+            <a:extLst>
+              <a:ext uri="{FF2B5EF4-FFF2-40B4-BE49-F238E27FC236}">
+                <a16:creationId xmlns:a16="http://schemas.microsoft.com/office/drawing/2014/main" id="{64D2ABBE-6B0B-4E67-A59A-CF358BCE48A1}"/>
+              </a:ext>
+            </a:extLst>
+          </p:cNvPr>
+          <p:cNvSpPr>
+            <a:spLocks noGrp="1"/>
+          </p:cNvSpPr>
+          <p:nvPr>
+            <p:ph type="title"/>
+          </p:nvPr>
+        </p:nvSpPr>
+        <p:spPr/>
+        <p:txBody>
+          <a:bodyPr/>
+          <a:lstStyle/>
+          <a:p>
+            <a:r>
+              <a:rPr lang="pt-BR" dirty="0" err="1"/>
+              <a:t>Creating</a:t>
+            </a:r>
+            <a:r>
+              <a:rPr lang="pt-BR" dirty="0"/>
+              <a:t> </a:t>
+            </a:r>
+            <a:r>
+              <a:rPr lang="pt-BR" dirty="0" err="1"/>
+              <a:t>Dataframes</a:t>
+            </a:r>
+            <a:endParaRPr lang="en-GB" dirty="0"/>
+          </a:p>
+        </p:txBody>
+      </p:sp>
+      <p:pic>
+        <p:nvPicPr>
+          <p:cNvPr id="4" name="Espaço Reservado para Conteúdo 3">
+            <a:extLst>
+              <a:ext uri="{FF2B5EF4-FFF2-40B4-BE49-F238E27FC236}">
+                <a16:creationId xmlns:a16="http://schemas.microsoft.com/office/drawing/2014/main" id="{BA6E328D-CE48-4BB7-AE07-7DBC7FB65CFC}"/>
+              </a:ext>
+            </a:extLst>
+          </p:cNvPr>
+          <p:cNvPicPr>
+            <a:picLocks noGrp="1" noChangeAspect="1"/>
+          </p:cNvPicPr>
+          <p:nvPr>
+            <p:ph idx="1"/>
+          </p:nvPr>
+        </p:nvPicPr>
+        <p:blipFill>
+          <a:blip r:embed="rId2"/>
+          <a:stretch>
+            <a:fillRect/>
+          </a:stretch>
+        </p:blipFill>
+        <p:spPr>
+          <a:xfrm>
+            <a:off x="1163045" y="1895691"/>
+            <a:ext cx="6614626" cy="4022725"/>
+          </a:xfrm>
+          <a:prstGeom prst="rect">
+            <a:avLst/>
+          </a:prstGeom>
+        </p:spPr>
+      </p:pic>
+    </p:spTree>
+    <p:extLst>
+      <p:ext uri="{BB962C8B-B14F-4D97-AF65-F5344CB8AC3E}">
+        <p14:creationId xmlns:p14="http://schemas.microsoft.com/office/powerpoint/2010/main" val="2074841273"/>
+      </p:ext>
+    </p:extLst>
+  </p:cSld>
+  <p:clrMapOvr>
+    <a:masterClrMapping/>
+  </p:clrMapOvr>
+</p:sld>
+</file>
+
+<file path=ppt/slides/slide32.xml><?xml version="1.0" encoding="utf-8"?>
+<p:sld xmlns:a="http://schemas.openxmlformats.org/drawingml/2006/main" xmlns:r="http://schemas.openxmlformats.org/officeDocument/2006/relationships" xmlns:p="http://schemas.openxmlformats.org/presentationml/2006/main">
+  <p:cSld>
+    <p:spTree>
+      <p:nvGrpSpPr>
+        <p:cNvPr id="1" name=""/>
+        <p:cNvGrpSpPr/>
+        <p:nvPr/>
+      </p:nvGrpSpPr>
+      <p:grpSpPr>
+        <a:xfrm>
+          <a:off x="0" y="0"/>
+          <a:ext cx="0" cy="0"/>
+          <a:chOff x="0" y="0"/>
+          <a:chExt cx="0" cy="0"/>
+        </a:xfrm>
+      </p:grpSpPr>
+      <p:sp>
+        <p:nvSpPr>
+          <p:cNvPr id="2" name="Título 1">
+            <a:extLst>
+              <a:ext uri="{FF2B5EF4-FFF2-40B4-BE49-F238E27FC236}">
+                <a16:creationId xmlns:a16="http://schemas.microsoft.com/office/drawing/2014/main" id="{4813E4FB-6A99-4930-9A89-7FDA750F50CC}"/>
+              </a:ext>
+            </a:extLst>
+          </p:cNvPr>
+          <p:cNvSpPr>
+            <a:spLocks noGrp="1"/>
+          </p:cNvSpPr>
+          <p:nvPr>
+            <p:ph type="title"/>
+          </p:nvPr>
+        </p:nvSpPr>
+        <p:spPr/>
+        <p:txBody>
+          <a:bodyPr/>
+          <a:lstStyle/>
+          <a:p>
+            <a:r>
+              <a:rPr lang="pt-BR" dirty="0" err="1"/>
+              <a:t>Join</a:t>
+            </a:r>
+            <a:r>
+              <a:rPr lang="pt-BR" dirty="0"/>
+              <a:t> </a:t>
+            </a:r>
+            <a:r>
+              <a:rPr lang="pt-BR" dirty="0" err="1"/>
+              <a:t>Example</a:t>
+            </a:r>
+            <a:endParaRPr lang="en-GB" dirty="0"/>
+          </a:p>
+        </p:txBody>
+      </p:sp>
+      <p:sp>
+        <p:nvSpPr>
+          <p:cNvPr id="3" name="Espaço Reservado para Conteúdo 2">
+            <a:extLst>
+              <a:ext uri="{FF2B5EF4-FFF2-40B4-BE49-F238E27FC236}">
+                <a16:creationId xmlns:a16="http://schemas.microsoft.com/office/drawing/2014/main" id="{E16AA411-C75F-4AB4-88DA-870B7C37AFD6}"/>
+              </a:ext>
+            </a:extLst>
+          </p:cNvPr>
+          <p:cNvSpPr>
+            <a:spLocks noGrp="1"/>
+          </p:cNvSpPr>
+          <p:nvPr>
+            <p:ph idx="1"/>
+          </p:nvPr>
+        </p:nvSpPr>
+        <p:spPr/>
+        <p:txBody>
+          <a:bodyPr/>
+          <a:lstStyle/>
+          <a:p>
+            <a:endParaRPr lang="en-GB" dirty="0"/>
+          </a:p>
+        </p:txBody>
+      </p:sp>
+      <p:pic>
+        <p:nvPicPr>
+          <p:cNvPr id="4" name="Imagem 3">
+            <a:extLst>
+              <a:ext uri="{FF2B5EF4-FFF2-40B4-BE49-F238E27FC236}">
+                <a16:creationId xmlns:a16="http://schemas.microsoft.com/office/drawing/2014/main" id="{936DCACD-4FD5-43E2-96FE-D497B9E646C7}"/>
+              </a:ext>
+            </a:extLst>
+          </p:cNvPr>
+          <p:cNvPicPr>
+            <a:picLocks noChangeAspect="1"/>
+          </p:cNvPicPr>
+          <p:nvPr/>
+        </p:nvPicPr>
+        <p:blipFill>
+          <a:blip r:embed="rId2"/>
+          <a:stretch>
+            <a:fillRect/>
+          </a:stretch>
+        </p:blipFill>
+        <p:spPr>
+          <a:xfrm>
+            <a:off x="1097280" y="1885330"/>
+            <a:ext cx="6861861" cy="4092138"/>
+          </a:xfrm>
+          <a:prstGeom prst="rect">
+            <a:avLst/>
+          </a:prstGeom>
+        </p:spPr>
+      </p:pic>
+    </p:spTree>
+    <p:extLst>
+      <p:ext uri="{BB962C8B-B14F-4D97-AF65-F5344CB8AC3E}">
+        <p14:creationId xmlns:p14="http://schemas.microsoft.com/office/powerpoint/2010/main" val="606575786"/>
+      </p:ext>
+    </p:extLst>
+  </p:cSld>
+  <p:clrMapOvr>
+    <a:masterClrMapping/>
+  </p:clrMapOvr>
+</p:sld>
+</file>
+
+<file path=ppt/slides/slide33.xml><?xml version="1.0" encoding="utf-8"?>
+<p:sld xmlns:a="http://schemas.openxmlformats.org/drawingml/2006/main" xmlns:r="http://schemas.openxmlformats.org/officeDocument/2006/relationships" xmlns:p="http://schemas.openxmlformats.org/presentationml/2006/main">
+  <p:cSld>
+    <p:spTree>
+      <p:nvGrpSpPr>
+        <p:cNvPr id="1" name=""/>
+        <p:cNvGrpSpPr/>
+        <p:nvPr/>
+      </p:nvGrpSpPr>
+      <p:grpSpPr>
+        <a:xfrm>
+          <a:off x="0" y="0"/>
+          <a:ext cx="0" cy="0"/>
+          <a:chOff x="0" y="0"/>
+          <a:chExt cx="0" cy="0"/>
+        </a:xfrm>
+      </p:grpSpPr>
+      <p:sp>
+        <p:nvSpPr>
+          <p:cNvPr id="2" name="Título 1">
+            <a:extLst>
+              <a:ext uri="{FF2B5EF4-FFF2-40B4-BE49-F238E27FC236}">
+                <a16:creationId xmlns:a16="http://schemas.microsoft.com/office/drawing/2014/main" id="{B199777C-78AE-476B-9651-D8057B29DCE7}"/>
+              </a:ext>
+            </a:extLst>
+          </p:cNvPr>
+          <p:cNvSpPr>
+            <a:spLocks noGrp="1"/>
+          </p:cNvSpPr>
+          <p:nvPr>
+            <p:ph type="title"/>
+          </p:nvPr>
+        </p:nvSpPr>
+        <p:spPr/>
+        <p:txBody>
+          <a:bodyPr/>
+          <a:lstStyle/>
+          <a:p>
+            <a:r>
+              <a:rPr lang="pt-BR" dirty="0" err="1"/>
+              <a:t>Select</a:t>
+            </a:r>
+            <a:r>
+              <a:rPr lang="pt-BR" dirty="0"/>
+              <a:t> </a:t>
+            </a:r>
+            <a:r>
+              <a:rPr lang="pt-BR" dirty="0" err="1"/>
+              <a:t>Example</a:t>
+            </a:r>
+            <a:endParaRPr lang="en-GB" dirty="0"/>
+          </a:p>
+        </p:txBody>
+      </p:sp>
+      <p:pic>
+        <p:nvPicPr>
+          <p:cNvPr id="4" name="Espaço Reservado para Conteúdo 3">
+            <a:extLst>
+              <a:ext uri="{FF2B5EF4-FFF2-40B4-BE49-F238E27FC236}">
+                <a16:creationId xmlns:a16="http://schemas.microsoft.com/office/drawing/2014/main" id="{0A6AC2CE-7D99-4C66-A439-02F31DFC75E0}"/>
+              </a:ext>
+            </a:extLst>
+          </p:cNvPr>
+          <p:cNvPicPr>
+            <a:picLocks noGrp="1" noChangeAspect="1"/>
+          </p:cNvPicPr>
+          <p:nvPr>
+            <p:ph idx="1"/>
+          </p:nvPr>
+        </p:nvPicPr>
+        <p:blipFill>
+          <a:blip r:embed="rId2"/>
+          <a:stretch>
+            <a:fillRect/>
+          </a:stretch>
+        </p:blipFill>
+        <p:spPr>
+          <a:xfrm>
+            <a:off x="1097280" y="1879214"/>
+            <a:ext cx="6952609" cy="4022725"/>
+          </a:xfrm>
+          <a:prstGeom prst="rect">
+            <a:avLst/>
+          </a:prstGeom>
+        </p:spPr>
+      </p:pic>
+    </p:spTree>
+    <p:extLst>
+      <p:ext uri="{BB962C8B-B14F-4D97-AF65-F5344CB8AC3E}">
+        <p14:creationId xmlns:p14="http://schemas.microsoft.com/office/powerpoint/2010/main" val="3306643326"/>
+      </p:ext>
+    </p:extLst>
+  </p:cSld>
+  <p:clrMapOvr>
+    <a:masterClrMapping/>
+  </p:clrMapOvr>
+</p:sld>
+</file>
+
+<file path=ppt/slides/slide34.xml><?xml version="1.0" encoding="utf-8"?>
+<p:sld xmlns:a="http://schemas.openxmlformats.org/drawingml/2006/main" xmlns:r="http://schemas.openxmlformats.org/officeDocument/2006/relationships" xmlns:p="http://schemas.openxmlformats.org/presentationml/2006/main">
+  <p:cSld>
+    <p:spTree>
+      <p:nvGrpSpPr>
+        <p:cNvPr id="1" name=""/>
+        <p:cNvGrpSpPr/>
+        <p:nvPr/>
+      </p:nvGrpSpPr>
+      <p:grpSpPr>
+        <a:xfrm>
+          <a:off x="0" y="0"/>
+          <a:ext cx="0" cy="0"/>
+          <a:chOff x="0" y="0"/>
+          <a:chExt cx="0" cy="0"/>
+        </a:xfrm>
+      </p:grpSpPr>
+      <p:sp>
+        <p:nvSpPr>
+          <p:cNvPr id="2" name="Título 1">
+            <a:extLst>
+              <a:ext uri="{FF2B5EF4-FFF2-40B4-BE49-F238E27FC236}">
+                <a16:creationId xmlns:a16="http://schemas.microsoft.com/office/drawing/2014/main" id="{7B3AD376-1F35-4439-80BD-0C2EECC76E0F}"/>
+              </a:ext>
+            </a:extLst>
+          </p:cNvPr>
+          <p:cNvSpPr>
+            <a:spLocks noGrp="1"/>
+          </p:cNvSpPr>
+          <p:nvPr>
+            <p:ph type="title"/>
+          </p:nvPr>
+        </p:nvSpPr>
+        <p:spPr/>
+        <p:txBody>
+          <a:bodyPr/>
+          <a:lstStyle/>
+          <a:p>
+            <a:r>
+              <a:rPr lang="pt-BR" dirty="0"/>
+              <a:t>New </a:t>
+            </a:r>
+            <a:r>
+              <a:rPr lang="pt-BR" dirty="0" err="1"/>
+              <a:t>Columns</a:t>
+            </a:r>
+            <a:r>
+              <a:rPr lang="pt-BR" dirty="0"/>
+              <a:t> </a:t>
+            </a:r>
+            <a:r>
+              <a:rPr lang="pt-BR" dirty="0" err="1"/>
+              <a:t>Example</a:t>
+            </a:r>
+            <a:endParaRPr lang="en-GB" dirty="0"/>
+          </a:p>
+        </p:txBody>
+      </p:sp>
+      <p:sp>
+        <p:nvSpPr>
+          <p:cNvPr id="3" name="Espaço Reservado para Conteúdo 2">
+            <a:extLst>
+              <a:ext uri="{FF2B5EF4-FFF2-40B4-BE49-F238E27FC236}">
+                <a16:creationId xmlns:a16="http://schemas.microsoft.com/office/drawing/2014/main" id="{2CF3373C-7D92-4E03-8FA5-3E58F80491F9}"/>
+              </a:ext>
+            </a:extLst>
+          </p:cNvPr>
+          <p:cNvSpPr>
+            <a:spLocks noGrp="1"/>
+          </p:cNvSpPr>
+          <p:nvPr>
+            <p:ph idx="1"/>
+          </p:nvPr>
+        </p:nvSpPr>
+        <p:spPr/>
+        <p:txBody>
+          <a:bodyPr/>
+          <a:lstStyle/>
+          <a:p>
+            <a:endParaRPr lang="en-GB" dirty="0"/>
+          </a:p>
+        </p:txBody>
+      </p:sp>
+      <p:pic>
+        <p:nvPicPr>
+          <p:cNvPr id="4" name="Imagem 3">
+            <a:extLst>
+              <a:ext uri="{FF2B5EF4-FFF2-40B4-BE49-F238E27FC236}">
+                <a16:creationId xmlns:a16="http://schemas.microsoft.com/office/drawing/2014/main" id="{E0B20968-367B-46DE-9583-89B834FF27EF}"/>
+              </a:ext>
+            </a:extLst>
+          </p:cNvPr>
+          <p:cNvPicPr>
+            <a:picLocks noChangeAspect="1"/>
+          </p:cNvPicPr>
+          <p:nvPr/>
+        </p:nvPicPr>
+        <p:blipFill>
+          <a:blip r:embed="rId2"/>
+          <a:stretch>
+            <a:fillRect/>
+          </a:stretch>
+        </p:blipFill>
+        <p:spPr>
+          <a:xfrm>
+            <a:off x="1097280" y="1845734"/>
+            <a:ext cx="7288427" cy="3895773"/>
+          </a:xfrm>
+          <a:prstGeom prst="rect">
+            <a:avLst/>
+          </a:prstGeom>
+        </p:spPr>
+      </p:pic>
+    </p:spTree>
+    <p:extLst>
+      <p:ext uri="{BB962C8B-B14F-4D97-AF65-F5344CB8AC3E}">
+        <p14:creationId xmlns:p14="http://schemas.microsoft.com/office/powerpoint/2010/main" val="697937397"/>
+      </p:ext>
+    </p:extLst>
+  </p:cSld>
+  <p:clrMapOvr>
+    <a:masterClrMapping/>
+  </p:clrMapOvr>
+</p:sld>
+</file>
+
+<file path=ppt/slides/slide35.xml><?xml version="1.0" encoding="utf-8"?>
+<p:sld xmlns:a="http://schemas.openxmlformats.org/drawingml/2006/main" xmlns:r="http://schemas.openxmlformats.org/officeDocument/2006/relationships" xmlns:p="http://schemas.openxmlformats.org/presentationml/2006/main">
+  <p:cSld>
+    <p:spTree>
+      <p:nvGrpSpPr>
+        <p:cNvPr id="1" name=""/>
+        <p:cNvGrpSpPr/>
+        <p:nvPr/>
+      </p:nvGrpSpPr>
+      <p:grpSpPr>
+        <a:xfrm>
+          <a:off x="0" y="0"/>
+          <a:ext cx="0" cy="0"/>
+          <a:chOff x="0" y="0"/>
+          <a:chExt cx="0" cy="0"/>
+        </a:xfrm>
+      </p:grpSpPr>
+      <p:sp>
+        <p:nvSpPr>
+          <p:cNvPr id="2" name="Título 1">
+            <a:extLst>
+              <a:ext uri="{FF2B5EF4-FFF2-40B4-BE49-F238E27FC236}">
+                <a16:creationId xmlns:a16="http://schemas.microsoft.com/office/drawing/2014/main" id="{69D4E1E9-EE26-4B4D-9333-7A0F3CDFC1F0}"/>
+              </a:ext>
+            </a:extLst>
+          </p:cNvPr>
+          <p:cNvSpPr>
+            <a:spLocks noGrp="1"/>
+          </p:cNvSpPr>
+          <p:nvPr>
+            <p:ph type="title"/>
+          </p:nvPr>
+        </p:nvSpPr>
+        <p:spPr/>
+        <p:txBody>
+          <a:bodyPr/>
+          <a:lstStyle/>
+          <a:p>
+            <a:r>
+              <a:rPr lang="pt-BR" dirty="0"/>
+              <a:t>New </a:t>
+            </a:r>
+            <a:r>
+              <a:rPr lang="pt-BR" dirty="0" err="1"/>
+              <a:t>Colums</a:t>
+            </a:r>
+            <a:r>
+              <a:rPr lang="pt-BR" dirty="0"/>
+              <a:t> </a:t>
+            </a:r>
+            <a:r>
+              <a:rPr lang="pt-BR" dirty="0" err="1"/>
+              <a:t>Example</a:t>
+            </a:r>
+            <a:endParaRPr lang="en-GB" dirty="0"/>
+          </a:p>
+        </p:txBody>
+      </p:sp>
+      <p:pic>
+        <p:nvPicPr>
+          <p:cNvPr id="4" name="Espaço Reservado para Conteúdo 3">
+            <a:extLst>
+              <a:ext uri="{FF2B5EF4-FFF2-40B4-BE49-F238E27FC236}">
+                <a16:creationId xmlns:a16="http://schemas.microsoft.com/office/drawing/2014/main" id="{6C641D20-1006-44DD-9972-3CE4279F483A}"/>
+              </a:ext>
+            </a:extLst>
+          </p:cNvPr>
+          <p:cNvPicPr>
+            <a:picLocks noGrp="1" noChangeAspect="1"/>
+          </p:cNvPicPr>
+          <p:nvPr>
+            <p:ph idx="1"/>
+          </p:nvPr>
+        </p:nvPicPr>
+        <p:blipFill>
+          <a:blip r:embed="rId2"/>
+          <a:stretch>
+            <a:fillRect/>
+          </a:stretch>
+        </p:blipFill>
+        <p:spPr>
+          <a:xfrm>
+            <a:off x="1200710" y="1936879"/>
+            <a:ext cx="5913219" cy="4022725"/>
+          </a:xfrm>
+          <a:prstGeom prst="rect">
+            <a:avLst/>
+          </a:prstGeom>
+        </p:spPr>
+      </p:pic>
+    </p:spTree>
+    <p:extLst>
+      <p:ext uri="{BB962C8B-B14F-4D97-AF65-F5344CB8AC3E}">
+        <p14:creationId xmlns:p14="http://schemas.microsoft.com/office/powerpoint/2010/main" val="1864252452"/>
+      </p:ext>
+    </p:extLst>
+  </p:cSld>
+  <p:clrMapOvr>
+    <a:masterClrMapping/>
+  </p:clrMapOvr>
+</p:sld>
+</file>
+
+<file path=ppt/slides/slide36.xml><?xml version="1.0" encoding="utf-8"?>
+<p:sld xmlns:a="http://schemas.openxmlformats.org/drawingml/2006/main" xmlns:r="http://schemas.openxmlformats.org/officeDocument/2006/relationships" xmlns:p="http://schemas.openxmlformats.org/presentationml/2006/main">
+  <p:cSld>
+    <p:spTree>
+      <p:nvGrpSpPr>
+        <p:cNvPr id="1" name=""/>
+        <p:cNvGrpSpPr/>
+        <p:nvPr/>
+      </p:nvGrpSpPr>
+      <p:grpSpPr>
+        <a:xfrm>
+          <a:off x="0" y="0"/>
+          <a:ext cx="0" cy="0"/>
+          <a:chOff x="0" y="0"/>
+          <a:chExt cx="0" cy="0"/>
+        </a:xfrm>
+      </p:grpSpPr>
+      <p:sp>
+        <p:nvSpPr>
+          <p:cNvPr id="2" name="Título 1">
+            <a:extLst>
+              <a:ext uri="{FF2B5EF4-FFF2-40B4-BE49-F238E27FC236}">
+                <a16:creationId xmlns:a16="http://schemas.microsoft.com/office/drawing/2014/main" id="{D9333DAB-73B4-479E-92A0-BB84CA6D588C}"/>
+              </a:ext>
+            </a:extLst>
+          </p:cNvPr>
+          <p:cNvSpPr>
+            <a:spLocks noGrp="1"/>
+          </p:cNvSpPr>
+          <p:nvPr>
+            <p:ph type="title"/>
+          </p:nvPr>
+        </p:nvSpPr>
+        <p:spPr/>
+        <p:txBody>
+          <a:bodyPr/>
+          <a:lstStyle/>
+          <a:p>
+            <a:r>
+              <a:rPr lang="pt-BR" dirty="0" err="1"/>
+              <a:t>Group</a:t>
+            </a:r>
+            <a:r>
+              <a:rPr lang="pt-BR" dirty="0"/>
+              <a:t> </a:t>
+            </a:r>
+            <a:r>
+              <a:rPr lang="pt-BR" dirty="0" err="1"/>
+              <a:t>By</a:t>
+            </a:r>
+            <a:r>
+              <a:rPr lang="pt-BR" dirty="0"/>
+              <a:t> </a:t>
+            </a:r>
+            <a:r>
+              <a:rPr lang="pt-BR" dirty="0" err="1"/>
+              <a:t>Example</a:t>
+            </a:r>
+            <a:endParaRPr lang="en-GB" dirty="0"/>
+          </a:p>
+        </p:txBody>
+      </p:sp>
+      <p:pic>
+        <p:nvPicPr>
+          <p:cNvPr id="4" name="Espaço Reservado para Conteúdo 3">
+            <a:extLst>
+              <a:ext uri="{FF2B5EF4-FFF2-40B4-BE49-F238E27FC236}">
+                <a16:creationId xmlns:a16="http://schemas.microsoft.com/office/drawing/2014/main" id="{FFA8158B-6A61-411C-ABFA-3D0F6471501C}"/>
+              </a:ext>
+            </a:extLst>
+          </p:cNvPr>
+          <p:cNvPicPr>
+            <a:picLocks noGrp="1" noChangeAspect="1"/>
+          </p:cNvPicPr>
+          <p:nvPr>
+            <p:ph idx="1"/>
+          </p:nvPr>
+        </p:nvPicPr>
+        <p:blipFill>
+          <a:blip r:embed="rId2"/>
+          <a:stretch>
+            <a:fillRect/>
+          </a:stretch>
+        </p:blipFill>
+        <p:spPr>
+          <a:xfrm>
+            <a:off x="1097280" y="1879214"/>
+            <a:ext cx="6810962" cy="4022725"/>
+          </a:xfrm>
+          <a:prstGeom prst="rect">
+            <a:avLst/>
+          </a:prstGeom>
+        </p:spPr>
+      </p:pic>
+    </p:spTree>
+    <p:extLst>
+      <p:ext uri="{BB962C8B-B14F-4D97-AF65-F5344CB8AC3E}">
+        <p14:creationId xmlns:p14="http://schemas.microsoft.com/office/powerpoint/2010/main" val="1417390995"/>
+      </p:ext>
+    </p:extLst>
+  </p:cSld>
+  <p:clrMapOvr>
+    <a:masterClrMapping/>
+  </p:clrMapOvr>
+</p:sld>
+</file>
+
+<file path=ppt/slides/slide37.xml><?xml version="1.0" encoding="utf-8"?>
+<p:sld xmlns:a="http://schemas.openxmlformats.org/drawingml/2006/main" xmlns:r="http://schemas.openxmlformats.org/officeDocument/2006/relationships" xmlns:p="http://schemas.openxmlformats.org/presentationml/2006/main">
+  <p:cSld>
+    <p:spTree>
+      <p:nvGrpSpPr>
+        <p:cNvPr id="1" name=""/>
+        <p:cNvGrpSpPr/>
+        <p:nvPr/>
+      </p:nvGrpSpPr>
+      <p:grpSpPr>
+        <a:xfrm>
+          <a:off x="0" y="0"/>
+          <a:ext cx="0" cy="0"/>
+          <a:chOff x="0" y="0"/>
+          <a:chExt cx="0" cy="0"/>
+        </a:xfrm>
+      </p:grpSpPr>
+      <p:sp>
+        <p:nvSpPr>
+          <p:cNvPr id="2" name="Título 1">
+            <a:extLst>
+              <a:ext uri="{FF2B5EF4-FFF2-40B4-BE49-F238E27FC236}">
+                <a16:creationId xmlns:a16="http://schemas.microsoft.com/office/drawing/2014/main" id="{644F1FC7-20B7-4DE4-970C-C0B698C705EF}"/>
+              </a:ext>
+            </a:extLst>
+          </p:cNvPr>
+          <p:cNvSpPr>
+            <a:spLocks noGrp="1"/>
+          </p:cNvSpPr>
+          <p:nvPr>
+            <p:ph type="title"/>
+          </p:nvPr>
+        </p:nvSpPr>
+        <p:spPr/>
+        <p:txBody>
+          <a:bodyPr/>
+          <a:lstStyle/>
+          <a:p>
+            <a:r>
+              <a:rPr lang="pt-BR" dirty="0" err="1"/>
+              <a:t>Filtering</a:t>
+            </a:r>
+            <a:r>
+              <a:rPr lang="pt-BR" dirty="0"/>
+              <a:t> </a:t>
+            </a:r>
+            <a:r>
+              <a:rPr lang="pt-BR" dirty="0" err="1"/>
+              <a:t>Example</a:t>
+            </a:r>
+            <a:endParaRPr lang="en-GB" dirty="0"/>
+          </a:p>
+        </p:txBody>
+      </p:sp>
+      <p:pic>
+        <p:nvPicPr>
+          <p:cNvPr id="4" name="Espaço Reservado para Conteúdo 3">
+            <a:extLst>
+              <a:ext uri="{FF2B5EF4-FFF2-40B4-BE49-F238E27FC236}">
+                <a16:creationId xmlns:a16="http://schemas.microsoft.com/office/drawing/2014/main" id="{CD76C496-7C72-47A9-B730-F5F4654CE0BA}"/>
+              </a:ext>
+            </a:extLst>
+          </p:cNvPr>
+          <p:cNvPicPr>
+            <a:picLocks noGrp="1" noChangeAspect="1"/>
+          </p:cNvPicPr>
+          <p:nvPr>
+            <p:ph idx="1"/>
+          </p:nvPr>
+        </p:nvPicPr>
+        <p:blipFill>
+          <a:blip r:embed="rId2"/>
+          <a:stretch>
+            <a:fillRect/>
+          </a:stretch>
+        </p:blipFill>
+        <p:spPr>
+          <a:xfrm>
+            <a:off x="1163823" y="1945117"/>
+            <a:ext cx="5921089" cy="4022725"/>
+          </a:xfrm>
+          <a:prstGeom prst="rect">
+            <a:avLst/>
+          </a:prstGeom>
+        </p:spPr>
+      </p:pic>
+    </p:spTree>
+    <p:extLst>
+      <p:ext uri="{BB962C8B-B14F-4D97-AF65-F5344CB8AC3E}">
+        <p14:creationId xmlns:p14="http://schemas.microsoft.com/office/powerpoint/2010/main" val="4178416481"/>
+      </p:ext>
+    </p:extLst>
+  </p:cSld>
+  <p:clrMapOvr>
+    <a:masterClrMapping/>
+  </p:clrMapOvr>
+</p:sld>
+</file>
+
+<file path=ppt/slides/slide38.xml><?xml version="1.0" encoding="utf-8"?>
+<p:sld xmlns:a="http://schemas.openxmlformats.org/drawingml/2006/main" xmlns:r="http://schemas.openxmlformats.org/officeDocument/2006/relationships" xmlns:p="http://schemas.openxmlformats.org/presentationml/2006/main">
+  <p:cSld>
+    <p:spTree>
+      <p:nvGrpSpPr>
+        <p:cNvPr id="1" name=""/>
+        <p:cNvGrpSpPr/>
+        <p:nvPr/>
+      </p:nvGrpSpPr>
+      <p:grpSpPr>
+        <a:xfrm>
+          <a:off x="0" y="0"/>
+          <a:ext cx="0" cy="0"/>
+          <a:chOff x="0" y="0"/>
+          <a:chExt cx="0" cy="0"/>
+        </a:xfrm>
+      </p:grpSpPr>
+      <p:sp>
+        <p:nvSpPr>
+          <p:cNvPr id="2" name="Título 1">
+            <a:extLst>
+              <a:ext uri="{FF2B5EF4-FFF2-40B4-BE49-F238E27FC236}">
+                <a16:creationId xmlns:a16="http://schemas.microsoft.com/office/drawing/2014/main" id="{EACC0870-9C4D-4637-8807-68780C105A6C}"/>
+              </a:ext>
+            </a:extLst>
+          </p:cNvPr>
+          <p:cNvSpPr>
+            <a:spLocks noGrp="1"/>
+          </p:cNvSpPr>
+          <p:nvPr>
+            <p:ph type="title"/>
+          </p:nvPr>
+        </p:nvSpPr>
+        <p:spPr/>
+        <p:txBody>
+          <a:bodyPr/>
+          <a:lstStyle/>
+          <a:p>
+            <a:r>
+              <a:rPr lang="pt-BR" dirty="0"/>
+              <a:t>Union </a:t>
+            </a:r>
+            <a:r>
+              <a:rPr lang="pt-BR" dirty="0" err="1"/>
+              <a:t>Example</a:t>
+            </a:r>
+            <a:endParaRPr lang="en-GB" dirty="0"/>
+          </a:p>
+        </p:txBody>
+      </p:sp>
+      <p:pic>
+        <p:nvPicPr>
+          <p:cNvPr id="4" name="Espaço Reservado para Conteúdo 3">
+            <a:extLst>
+              <a:ext uri="{FF2B5EF4-FFF2-40B4-BE49-F238E27FC236}">
+                <a16:creationId xmlns:a16="http://schemas.microsoft.com/office/drawing/2014/main" id="{7DEB9CD3-C5BA-40AC-B364-16BBB9413848}"/>
+              </a:ext>
+            </a:extLst>
+          </p:cNvPr>
+          <p:cNvPicPr>
+            <a:picLocks noGrp="1" noChangeAspect="1"/>
+          </p:cNvPicPr>
+          <p:nvPr>
+            <p:ph idx="1"/>
+          </p:nvPr>
+        </p:nvPicPr>
+        <p:blipFill>
+          <a:blip r:embed="rId2"/>
+          <a:stretch>
+            <a:fillRect/>
+          </a:stretch>
+        </p:blipFill>
+        <p:spPr>
+          <a:xfrm>
+            <a:off x="1177925" y="1890713"/>
+            <a:ext cx="9896475" cy="3933825"/>
+          </a:xfrm>
+          <a:prstGeom prst="rect">
+            <a:avLst/>
+          </a:prstGeom>
+        </p:spPr>
+      </p:pic>
+    </p:spTree>
+    <p:extLst>
+      <p:ext uri="{BB962C8B-B14F-4D97-AF65-F5344CB8AC3E}">
+        <p14:creationId xmlns:p14="http://schemas.microsoft.com/office/powerpoint/2010/main" val="926940591"/>
+      </p:ext>
+    </p:extLst>
+  </p:cSld>
+  <p:clrMapOvr>
+    <a:masterClrMapping/>
+  </p:clrMapOvr>
+</p:sld>
+</file>
+
+<file path=ppt/slides/slide39.xml><?xml version="1.0" encoding="utf-8"?>
+<p:sld xmlns:a="http://schemas.openxmlformats.org/drawingml/2006/main" xmlns:r="http://schemas.openxmlformats.org/officeDocument/2006/relationships" xmlns:p="http://schemas.openxmlformats.org/presentationml/2006/main">
+  <p:cSld>
+    <p:spTree>
+      <p:nvGrpSpPr>
+        <p:cNvPr id="1" name=""/>
+        <p:cNvGrpSpPr/>
+        <p:nvPr/>
+      </p:nvGrpSpPr>
+      <p:grpSpPr>
+        <a:xfrm>
+          <a:off x="0" y="0"/>
+          <a:ext cx="0" cy="0"/>
+          <a:chOff x="0" y="0"/>
+          <a:chExt cx="0" cy="0"/>
+        </a:xfrm>
+      </p:grpSpPr>
+      <p:sp>
+        <p:nvSpPr>
+          <p:cNvPr id="2" name="Título 1">
+            <a:extLst>
+              <a:ext uri="{FF2B5EF4-FFF2-40B4-BE49-F238E27FC236}">
+                <a16:creationId xmlns:a16="http://schemas.microsoft.com/office/drawing/2014/main" id="{97463296-93B1-4DBD-8E55-99A9D58DD189}"/>
+              </a:ext>
+            </a:extLst>
+          </p:cNvPr>
+          <p:cNvSpPr>
+            <a:spLocks noGrp="1"/>
+          </p:cNvSpPr>
+          <p:nvPr>
+            <p:ph type="title"/>
+          </p:nvPr>
+        </p:nvSpPr>
+        <p:spPr/>
+        <p:txBody>
+          <a:bodyPr/>
+          <a:lstStyle/>
+          <a:p>
+            <a:r>
+              <a:rPr lang="en-GB" dirty="0"/>
+              <a:t>Spark 3.x New Concepts</a:t>
+            </a:r>
+          </a:p>
+        </p:txBody>
+      </p:sp>
+      <p:sp>
+        <p:nvSpPr>
+          <p:cNvPr id="3" name="Espaço Reservado para Conteúdo 2">
+            <a:extLst>
+              <a:ext uri="{FF2B5EF4-FFF2-40B4-BE49-F238E27FC236}">
+                <a16:creationId xmlns:a16="http://schemas.microsoft.com/office/drawing/2014/main" id="{E341F206-CB58-4BE3-B74C-9AA593C36ACA}"/>
+              </a:ext>
+            </a:extLst>
+          </p:cNvPr>
+          <p:cNvSpPr>
+            <a:spLocks noGrp="1"/>
+          </p:cNvSpPr>
+          <p:nvPr>
+            <p:ph idx="1"/>
+          </p:nvPr>
+        </p:nvSpPr>
+        <p:spPr>
+          <a:xfrm>
+            <a:off x="1097280" y="1845734"/>
+            <a:ext cx="10058400" cy="4305684"/>
+          </a:xfrm>
+        </p:spPr>
+        <p:txBody>
+          <a:bodyPr>
+            <a:normAutofit/>
+          </a:bodyPr>
+          <a:lstStyle/>
+          <a:p>
+            <a:r>
+              <a:rPr lang="en-GB" b="1" dirty="0"/>
+              <a:t>Dynamic Partition Pruning (DPP)</a:t>
+            </a:r>
+            <a:r>
+              <a:rPr lang="en-GB" dirty="0"/>
+              <a:t>: Introduced in Spark 3.0, DPP is a performance improvement for SQL analytics workloads. It enables the optimizer to prune partitions dynamically during query execution, reducing the amount of data being processed and improving query performance.</a:t>
+            </a:r>
+          </a:p>
+          <a:p>
+            <a:r>
+              <a:rPr lang="en-GB" b="1" dirty="0"/>
+              <a:t>Adaptive Query Execution</a:t>
+            </a:r>
+            <a:r>
+              <a:rPr lang="en-GB" dirty="0"/>
+              <a:t>: Spark 3.x introduces adaptive query execution, which allows the optimizer to adjust query plans based on runtime statistics. This feature helps optimize query performance and reduces the need for manual tuning.</a:t>
+            </a:r>
+          </a:p>
+          <a:p>
+            <a:r>
+              <a:rPr lang="en-GB" b="1" dirty="0"/>
+              <a:t>ANSI SQL Compliance</a:t>
+            </a:r>
+            <a:r>
+              <a:rPr lang="en-GB" dirty="0"/>
+              <a:t>: Spark 3.x improves ANSI SQL compliance, making it easier to integrate with BI tools and other SQL-based systems. This feature provides better support for standard SQL features and reduces the need for custom SQL syntax.</a:t>
+            </a:r>
+          </a:p>
+          <a:p>
+            <a:r>
+              <a:rPr lang="en-GB" b="1" dirty="0"/>
+              <a:t>Pandas API Redesign</a:t>
+            </a:r>
+            <a:r>
+              <a:rPr lang="en-GB" dirty="0"/>
+              <a:t>: The Pandas API has been redesigned in Spark 3.x, with improved type hints, new UDF types, and more Pythonic error handling. This redesign aims to make Pandas-based data processing more efficient and easier to use.</a:t>
+            </a:r>
+          </a:p>
+          <a:p>
+            <a:endParaRPr lang="en-GB" dirty="0"/>
+          </a:p>
+        </p:txBody>
+      </p:sp>
+    </p:spTree>
+    <p:extLst>
+      <p:ext uri="{BB962C8B-B14F-4D97-AF65-F5344CB8AC3E}">
+        <p14:creationId xmlns:p14="http://schemas.microsoft.com/office/powerpoint/2010/main" val="3787603182"/>
+      </p:ext>
+    </p:extLst>
+  </p:cSld>
+  <p:clrMapOvr>
+    <a:masterClrMapping/>
+  </p:clrMapOvr>
+</p:sld>
+</file>
+
 <file path=ppt/slides/slide4.xml><?xml version="1.0" encoding="utf-8"?>
 <p:sld xmlns:a="http://schemas.openxmlformats.org/drawingml/2006/main" xmlns:r="http://schemas.openxmlformats.org/officeDocument/2006/relationships" xmlns:p="http://schemas.openxmlformats.org/presentationml/2006/main">
   <p:cSld>
@@ -7982,6 +9518,705 @@
     <p:extLst>
       <p:ext uri="{BB962C8B-B14F-4D97-AF65-F5344CB8AC3E}">
         <p14:creationId xmlns:p14="http://schemas.microsoft.com/office/powerpoint/2010/main" val="2208329024"/>
+      </p:ext>
+    </p:extLst>
+  </p:cSld>
+  <p:clrMapOvr>
+    <a:masterClrMapping/>
+  </p:clrMapOvr>
+</p:sld>
+</file>
+
+<file path=ppt/slides/slide40.xml><?xml version="1.0" encoding="utf-8"?>
+<p:sld xmlns:a="http://schemas.openxmlformats.org/drawingml/2006/main" xmlns:r="http://schemas.openxmlformats.org/officeDocument/2006/relationships" xmlns:p="http://schemas.openxmlformats.org/presentationml/2006/main">
+  <p:cSld>
+    <p:spTree>
+      <p:nvGrpSpPr>
+        <p:cNvPr id="1" name=""/>
+        <p:cNvGrpSpPr/>
+        <p:nvPr/>
+      </p:nvGrpSpPr>
+      <p:grpSpPr>
+        <a:xfrm>
+          <a:off x="0" y="0"/>
+          <a:ext cx="0" cy="0"/>
+          <a:chOff x="0" y="0"/>
+          <a:chExt cx="0" cy="0"/>
+        </a:xfrm>
+      </p:grpSpPr>
+      <p:sp>
+        <p:nvSpPr>
+          <p:cNvPr id="2" name="Título 1">
+            <a:extLst>
+              <a:ext uri="{FF2B5EF4-FFF2-40B4-BE49-F238E27FC236}">
+                <a16:creationId xmlns:a16="http://schemas.microsoft.com/office/drawing/2014/main" id="{5E1D2AFF-AE6D-47C6-85BF-73AB3B2B6F03}"/>
+              </a:ext>
+            </a:extLst>
+          </p:cNvPr>
+          <p:cNvSpPr>
+            <a:spLocks noGrp="1"/>
+          </p:cNvSpPr>
+          <p:nvPr>
+            <p:ph type="title"/>
+          </p:nvPr>
+        </p:nvSpPr>
+        <p:spPr/>
+        <p:txBody>
+          <a:bodyPr/>
+          <a:lstStyle/>
+          <a:p>
+            <a:r>
+              <a:rPr lang="en-GB" dirty="0"/>
+              <a:t>Spark 3.x New Concepts</a:t>
+            </a:r>
+          </a:p>
+        </p:txBody>
+      </p:sp>
+      <p:sp>
+        <p:nvSpPr>
+          <p:cNvPr id="3" name="Espaço Reservado para Conteúdo 2">
+            <a:extLst>
+              <a:ext uri="{FF2B5EF4-FFF2-40B4-BE49-F238E27FC236}">
+                <a16:creationId xmlns:a16="http://schemas.microsoft.com/office/drawing/2014/main" id="{E8350072-5D5D-4CA6-B0E9-EEBEA34186A9}"/>
+              </a:ext>
+            </a:extLst>
+          </p:cNvPr>
+          <p:cNvSpPr>
+            <a:spLocks noGrp="1"/>
+          </p:cNvSpPr>
+          <p:nvPr>
+            <p:ph idx="1"/>
+          </p:nvPr>
+        </p:nvSpPr>
+        <p:spPr/>
+        <p:txBody>
+          <a:bodyPr/>
+          <a:lstStyle/>
+          <a:p>
+            <a:r>
+              <a:rPr lang="en-GB" b="1" dirty="0" err="1"/>
+              <a:t>Trigger.AvailableNow</a:t>
+            </a:r>
+            <a:r>
+              <a:rPr lang="en-GB" dirty="0"/>
+              <a:t>: Introduced in Spark 3.3.0, </a:t>
+            </a:r>
+            <a:r>
+              <a:rPr lang="en-GB" dirty="0" err="1"/>
+              <a:t>Trigger.AvailableNow</a:t>
+            </a:r>
+            <a:r>
+              <a:rPr lang="en-GB" dirty="0"/>
+              <a:t> allows running streaming queries like </a:t>
+            </a:r>
+            <a:r>
+              <a:rPr lang="en-GB" dirty="0" err="1"/>
+              <a:t>Trigger.Once</a:t>
+            </a:r>
+            <a:r>
+              <a:rPr lang="en-GB" dirty="0"/>
+              <a:t> in multiple batches, improving the flexibility and scalability of streaming workloads.</a:t>
+            </a:r>
+          </a:p>
+          <a:p>
+            <a:r>
+              <a:rPr lang="en-GB" b="1" dirty="0"/>
+              <a:t>DS V2 Push Down Capabilities</a:t>
+            </a:r>
+            <a:r>
+              <a:rPr lang="en-GB" dirty="0"/>
+              <a:t>: Spark 3.x introduces more comprehensive DS V2 push down capabilities, enabling more efficient data processing and reducing the need for data movement.</a:t>
+            </a:r>
+          </a:p>
+          <a:p>
+            <a:r>
+              <a:rPr lang="en-GB" b="1" dirty="0"/>
+              <a:t>Logical Plan Visitor</a:t>
+            </a:r>
+            <a:r>
+              <a:rPr lang="en-GB" dirty="0"/>
+              <a:t>: A new logical plan visitor has been added to propagate distinct attributes, improving the accuracy and efficiency of query optimization.</a:t>
+            </a:r>
+          </a:p>
+          <a:p>
+            <a:r>
+              <a:rPr lang="en-GB" b="1" dirty="0"/>
+              <a:t>Accelerator-Aware Scheduler</a:t>
+            </a:r>
+            <a:r>
+              <a:rPr lang="en-GB" dirty="0"/>
+              <a:t>: Spark 3.x includes an accelerator-aware scheduler, which optimizes query execution by taking into account the availability and performance characteristics of various accelerators (e.g., GPUs, TPUs).</a:t>
+            </a:r>
+          </a:p>
+          <a:p>
+            <a:endParaRPr lang="en-GB" dirty="0"/>
+          </a:p>
+        </p:txBody>
+      </p:sp>
+    </p:spTree>
+    <p:extLst>
+      <p:ext uri="{BB962C8B-B14F-4D97-AF65-F5344CB8AC3E}">
+        <p14:creationId xmlns:p14="http://schemas.microsoft.com/office/powerpoint/2010/main" val="3958946285"/>
+      </p:ext>
+    </p:extLst>
+  </p:cSld>
+  <p:clrMapOvr>
+    <a:masterClrMapping/>
+  </p:clrMapOvr>
+</p:sld>
+</file>
+
+<file path=ppt/slides/slide41.xml><?xml version="1.0" encoding="utf-8"?>
+<p:sld xmlns:a="http://schemas.openxmlformats.org/drawingml/2006/main" xmlns:r="http://schemas.openxmlformats.org/officeDocument/2006/relationships" xmlns:p="http://schemas.openxmlformats.org/presentationml/2006/main">
+  <p:cSld>
+    <p:spTree>
+      <p:nvGrpSpPr>
+        <p:cNvPr id="1" name=""/>
+        <p:cNvGrpSpPr/>
+        <p:nvPr/>
+      </p:nvGrpSpPr>
+      <p:grpSpPr>
+        <a:xfrm>
+          <a:off x="0" y="0"/>
+          <a:ext cx="0" cy="0"/>
+          <a:chOff x="0" y="0"/>
+          <a:chExt cx="0" cy="0"/>
+        </a:xfrm>
+      </p:grpSpPr>
+      <p:sp>
+        <p:nvSpPr>
+          <p:cNvPr id="2" name="Título 1">
+            <a:extLst>
+              <a:ext uri="{FF2B5EF4-FFF2-40B4-BE49-F238E27FC236}">
+                <a16:creationId xmlns:a16="http://schemas.microsoft.com/office/drawing/2014/main" id="{273D2DDC-F1A1-483B-B877-246DE28FC382}"/>
+              </a:ext>
+            </a:extLst>
+          </p:cNvPr>
+          <p:cNvSpPr>
+            <a:spLocks noGrp="1"/>
+          </p:cNvSpPr>
+          <p:nvPr>
+            <p:ph type="title"/>
+          </p:nvPr>
+        </p:nvSpPr>
+        <p:spPr/>
+        <p:txBody>
+          <a:bodyPr/>
+          <a:lstStyle/>
+          <a:p>
+            <a:r>
+              <a:rPr lang="pt-BR" dirty="0" err="1"/>
+              <a:t>Why</a:t>
+            </a:r>
+            <a:r>
+              <a:rPr lang="pt-BR" dirty="0"/>
+              <a:t> Apache </a:t>
+            </a:r>
+            <a:r>
+              <a:rPr lang="pt-BR" dirty="0" err="1"/>
+              <a:t>Spark</a:t>
+            </a:r>
+            <a:r>
+              <a:rPr lang="pt-BR" dirty="0"/>
+              <a:t>?</a:t>
+            </a:r>
+            <a:endParaRPr lang="en-GB" dirty="0"/>
+          </a:p>
+        </p:txBody>
+      </p:sp>
+      <p:sp>
+        <p:nvSpPr>
+          <p:cNvPr id="3" name="Espaço Reservado para Conteúdo 2">
+            <a:extLst>
+              <a:ext uri="{FF2B5EF4-FFF2-40B4-BE49-F238E27FC236}">
+                <a16:creationId xmlns:a16="http://schemas.microsoft.com/office/drawing/2014/main" id="{26CF0689-07E0-44AD-B041-596E07AAA7BE}"/>
+              </a:ext>
+            </a:extLst>
+          </p:cNvPr>
+          <p:cNvSpPr>
+            <a:spLocks noGrp="1"/>
+          </p:cNvSpPr>
+          <p:nvPr>
+            <p:ph idx="1"/>
+          </p:nvPr>
+        </p:nvSpPr>
+        <p:spPr/>
+        <p:txBody>
+          <a:bodyPr>
+            <a:normAutofit lnSpcReduction="10000"/>
+          </a:bodyPr>
+          <a:lstStyle/>
+          <a:p>
+            <a:r>
+              <a:rPr lang="en-GB" b="1" dirty="0"/>
+              <a:t>Scalable and Fast</a:t>
+            </a:r>
+            <a:r>
+              <a:rPr lang="en-GB" dirty="0"/>
+              <a:t>: Apache Spark processes large-scale data efficiently with in-memory computation and parallel processing across distributed systems.</a:t>
+            </a:r>
+          </a:p>
+          <a:p>
+            <a:r>
+              <a:rPr lang="en-GB" b="1" dirty="0"/>
+              <a:t>Versatile</a:t>
+            </a:r>
+            <a:r>
+              <a:rPr lang="en-GB" dirty="0"/>
+              <a:t>: It supports diverse workloads, including batch processing, real-time streaming, machine learning, and graph analytics, all within a unified framework.</a:t>
+            </a:r>
+          </a:p>
+          <a:p>
+            <a:r>
+              <a:rPr lang="en-GB" b="1" dirty="0"/>
+              <a:t>Future-Ready</a:t>
+            </a:r>
+            <a:r>
+              <a:rPr lang="en-GB" dirty="0"/>
+              <a:t>: With advanced optimizations like Catalyst, Adaptive Query Execution, and integrations with modern hardware and cloud platforms, Spark is designed for the evolving data landscape.</a:t>
+            </a:r>
+          </a:p>
+          <a:p>
+            <a:r>
+              <a:rPr lang="en-GB" b="1" dirty="0"/>
+              <a:t>Simple. Fast. Scalable. Unified.</a:t>
+            </a:r>
+          </a:p>
+          <a:p>
+            <a:endParaRPr lang="pt-BR" dirty="0"/>
+          </a:p>
+          <a:p>
+            <a:r>
+              <a:rPr lang="pt-BR" sz="4400" dirty="0"/>
+              <a:t>Q</a:t>
+            </a:r>
+            <a:r>
+              <a:rPr lang="en-GB" sz="4400" dirty="0" err="1"/>
+              <a:t>uestions</a:t>
+            </a:r>
+            <a:r>
+              <a:rPr lang="en-GB" sz="4400" dirty="0"/>
+              <a:t>?</a:t>
+            </a:r>
+          </a:p>
+        </p:txBody>
+      </p:sp>
+    </p:spTree>
+    <p:extLst>
+      <p:ext uri="{BB962C8B-B14F-4D97-AF65-F5344CB8AC3E}">
+        <p14:creationId xmlns:p14="http://schemas.microsoft.com/office/powerpoint/2010/main" val="3741269034"/>
+      </p:ext>
+    </p:extLst>
+  </p:cSld>
+  <p:clrMapOvr>
+    <a:masterClrMapping/>
+  </p:clrMapOvr>
+</p:sld>
+</file>
+
+<file path=ppt/slides/slide42.xml><?xml version="1.0" encoding="utf-8"?>
+<p:sld xmlns:a="http://schemas.openxmlformats.org/drawingml/2006/main" xmlns:r="http://schemas.openxmlformats.org/officeDocument/2006/relationships" xmlns:p="http://schemas.openxmlformats.org/presentationml/2006/main">
+  <p:cSld>
+    <p:spTree>
+      <p:nvGrpSpPr>
+        <p:cNvPr id="1" name=""/>
+        <p:cNvGrpSpPr/>
+        <p:nvPr/>
+      </p:nvGrpSpPr>
+      <p:grpSpPr>
+        <a:xfrm>
+          <a:off x="0" y="0"/>
+          <a:ext cx="0" cy="0"/>
+          <a:chOff x="0" y="0"/>
+          <a:chExt cx="0" cy="0"/>
+        </a:xfrm>
+      </p:grpSpPr>
+      <p:sp>
+        <p:nvSpPr>
+          <p:cNvPr id="2" name="Título 1">
+            <a:extLst>
+              <a:ext uri="{FF2B5EF4-FFF2-40B4-BE49-F238E27FC236}">
+                <a16:creationId xmlns:a16="http://schemas.microsoft.com/office/drawing/2014/main" id="{02302745-2DAB-41D1-B133-1A5779472636}"/>
+              </a:ext>
+            </a:extLst>
+          </p:cNvPr>
+          <p:cNvSpPr>
+            <a:spLocks noGrp="1"/>
+          </p:cNvSpPr>
+          <p:nvPr>
+            <p:ph type="title"/>
+          </p:nvPr>
+        </p:nvSpPr>
+        <p:spPr/>
+        <p:txBody>
+          <a:bodyPr/>
+          <a:lstStyle/>
+          <a:p>
+            <a:r>
+              <a:rPr lang="pt-BR" dirty="0" err="1"/>
+              <a:t>Challenge</a:t>
+            </a:r>
+            <a:endParaRPr lang="en-GB" dirty="0"/>
+          </a:p>
+        </p:txBody>
+      </p:sp>
+      <p:sp>
+        <p:nvSpPr>
+          <p:cNvPr id="3" name="Espaço Reservado para Conteúdo 2">
+            <a:extLst>
+              <a:ext uri="{FF2B5EF4-FFF2-40B4-BE49-F238E27FC236}">
+                <a16:creationId xmlns:a16="http://schemas.microsoft.com/office/drawing/2014/main" id="{53DB7E0A-648F-4480-809B-5B8E6AA1F5B5}"/>
+              </a:ext>
+            </a:extLst>
+          </p:cNvPr>
+          <p:cNvSpPr>
+            <a:spLocks noGrp="1"/>
+          </p:cNvSpPr>
+          <p:nvPr>
+            <p:ph idx="1"/>
+          </p:nvPr>
+        </p:nvSpPr>
+        <p:spPr/>
+        <p:txBody>
+          <a:bodyPr/>
+          <a:lstStyle/>
+          <a:p>
+            <a:pPr lvl="1"/>
+            <a:r>
+              <a:rPr lang="pt-BR" sz="2400" dirty="0" err="1"/>
+              <a:t>Create</a:t>
+            </a:r>
+            <a:r>
+              <a:rPr lang="pt-BR" sz="2400" dirty="0"/>
+              <a:t> </a:t>
+            </a:r>
+            <a:r>
+              <a:rPr lang="pt-BR" sz="2400" dirty="0" err="1"/>
+              <a:t>an</a:t>
+            </a:r>
+            <a:r>
+              <a:rPr lang="pt-BR" sz="2400" dirty="0"/>
+              <a:t> </a:t>
+            </a:r>
+            <a:r>
+              <a:rPr lang="pt-BR" sz="2400" dirty="0" err="1"/>
+              <a:t>account</a:t>
+            </a:r>
+            <a:r>
+              <a:rPr lang="pt-BR" sz="2400" dirty="0"/>
+              <a:t> in </a:t>
+            </a:r>
+            <a:r>
+              <a:rPr lang="pt-BR" sz="2400" dirty="0" err="1"/>
+              <a:t>the</a:t>
+            </a:r>
+            <a:r>
+              <a:rPr lang="pt-BR" sz="2400" dirty="0"/>
+              <a:t> </a:t>
+            </a:r>
+            <a:r>
+              <a:rPr lang="pt-BR" sz="2400" dirty="0" err="1"/>
+              <a:t>Databricks</a:t>
+            </a:r>
+            <a:endParaRPr lang="pt-BR" sz="2400" dirty="0"/>
+          </a:p>
+          <a:p>
+            <a:pPr lvl="1"/>
+            <a:r>
+              <a:rPr lang="pt-BR" sz="2400" dirty="0"/>
+              <a:t>Use </a:t>
+            </a:r>
+            <a:r>
+              <a:rPr lang="pt-BR" sz="2400" dirty="0" err="1"/>
+              <a:t>the</a:t>
+            </a:r>
+            <a:r>
+              <a:rPr lang="pt-BR" sz="2400" dirty="0"/>
+              <a:t> </a:t>
+            </a:r>
+            <a:r>
+              <a:rPr lang="pt-BR" sz="2400" dirty="0" err="1"/>
+              <a:t>example</a:t>
+            </a:r>
+            <a:r>
+              <a:rPr lang="pt-BR" sz="2400" dirty="0"/>
+              <a:t> notebook </a:t>
+            </a:r>
+            <a:r>
+              <a:rPr lang="pt-BR" sz="2400" dirty="0" err="1"/>
+              <a:t>and</a:t>
+            </a:r>
+            <a:r>
+              <a:rPr lang="pt-BR" sz="2400" dirty="0"/>
+              <a:t> </a:t>
+            </a:r>
+            <a:r>
+              <a:rPr lang="pt-BR" sz="2400" dirty="0" err="1"/>
+              <a:t>create</a:t>
+            </a:r>
+            <a:r>
+              <a:rPr lang="pt-BR" sz="2400" dirty="0"/>
+              <a:t> </a:t>
+            </a:r>
+            <a:r>
+              <a:rPr lang="pt-BR" sz="2400" dirty="0" err="1"/>
+              <a:t>your</a:t>
+            </a:r>
+            <a:r>
+              <a:rPr lang="pt-BR" sz="2400" dirty="0"/>
+              <a:t> </a:t>
+            </a:r>
+            <a:r>
+              <a:rPr lang="pt-BR" sz="2400" dirty="0" err="1"/>
+              <a:t>own</a:t>
+            </a:r>
+            <a:r>
+              <a:rPr lang="pt-BR" sz="2400" dirty="0"/>
+              <a:t> data </a:t>
+            </a:r>
+            <a:r>
+              <a:rPr lang="pt-BR" sz="2400" dirty="0" err="1"/>
+              <a:t>transformations</a:t>
+            </a:r>
+            <a:endParaRPr lang="pt-BR" sz="2400" dirty="0"/>
+          </a:p>
+          <a:p>
+            <a:pPr lvl="1"/>
+            <a:r>
+              <a:rPr lang="pt-BR" sz="2400" dirty="0" err="1"/>
+              <a:t>Get</a:t>
+            </a:r>
+            <a:r>
+              <a:rPr lang="pt-BR" sz="2400" dirty="0"/>
+              <a:t> some </a:t>
+            </a:r>
+            <a:r>
+              <a:rPr lang="pt-BR" sz="2400" dirty="0" err="1"/>
+              <a:t>inspirations</a:t>
+            </a:r>
+            <a:r>
+              <a:rPr lang="pt-BR" sz="2400" dirty="0"/>
+              <a:t> in </a:t>
+            </a:r>
+            <a:r>
+              <a:rPr lang="pt-BR" sz="2400" dirty="0" err="1"/>
+              <a:t>the</a:t>
+            </a:r>
+            <a:r>
+              <a:rPr lang="pt-BR" sz="2400" dirty="0"/>
+              <a:t> Project </a:t>
+            </a:r>
+            <a:r>
+              <a:rPr lang="pt-BR" sz="2400" dirty="0" err="1"/>
+              <a:t>used</a:t>
+            </a:r>
+            <a:r>
+              <a:rPr lang="pt-BR" sz="2400" dirty="0"/>
+              <a:t> as </a:t>
+            </a:r>
+            <a:r>
+              <a:rPr lang="pt-BR" sz="2400" dirty="0" err="1"/>
+              <a:t>an</a:t>
+            </a:r>
+            <a:r>
+              <a:rPr lang="pt-BR" sz="2400" dirty="0"/>
+              <a:t> </a:t>
+            </a:r>
+            <a:r>
+              <a:rPr lang="pt-BR" sz="2400" dirty="0" err="1"/>
+              <a:t>example</a:t>
+            </a:r>
+            <a:endParaRPr lang="pt-BR" sz="2400" dirty="0"/>
+          </a:p>
+          <a:p>
+            <a:pPr lvl="2"/>
+            <a:r>
+              <a:rPr lang="pt-BR" sz="2000" dirty="0">
+                <a:hlinkClick r:id="rId2"/>
+              </a:rPr>
+              <a:t>https://github.com/robertoprjr/ss-lib/tree/main</a:t>
+            </a:r>
+            <a:endParaRPr lang="pt-BR" sz="2000" dirty="0"/>
+          </a:p>
+          <a:p>
+            <a:pPr marL="384048" lvl="2" indent="0">
+              <a:buNone/>
+            </a:pPr>
+            <a:endParaRPr lang="pt-BR" sz="2000" dirty="0"/>
+          </a:p>
+          <a:p>
+            <a:endParaRPr lang="en-GB" dirty="0"/>
+          </a:p>
+        </p:txBody>
+      </p:sp>
+    </p:spTree>
+    <p:extLst>
+      <p:ext uri="{BB962C8B-B14F-4D97-AF65-F5344CB8AC3E}">
+        <p14:creationId xmlns:p14="http://schemas.microsoft.com/office/powerpoint/2010/main" val="2098592247"/>
+      </p:ext>
+    </p:extLst>
+  </p:cSld>
+  <p:clrMapOvr>
+    <a:masterClrMapping/>
+  </p:clrMapOvr>
+</p:sld>
+</file>
+
+<file path=ppt/slides/slide43.xml><?xml version="1.0" encoding="utf-8"?>
+<p:sld xmlns:a="http://schemas.openxmlformats.org/drawingml/2006/main" xmlns:r="http://schemas.openxmlformats.org/officeDocument/2006/relationships" xmlns:p="http://schemas.openxmlformats.org/presentationml/2006/main">
+  <p:cSld>
+    <p:spTree>
+      <p:nvGrpSpPr>
+        <p:cNvPr id="1" name=""/>
+        <p:cNvGrpSpPr/>
+        <p:nvPr/>
+      </p:nvGrpSpPr>
+      <p:grpSpPr>
+        <a:xfrm>
+          <a:off x="0" y="0"/>
+          <a:ext cx="0" cy="0"/>
+          <a:chOff x="0" y="0"/>
+          <a:chExt cx="0" cy="0"/>
+        </a:xfrm>
+      </p:grpSpPr>
+      <p:sp>
+        <p:nvSpPr>
+          <p:cNvPr id="2" name="Título 1">
+            <a:extLst>
+              <a:ext uri="{FF2B5EF4-FFF2-40B4-BE49-F238E27FC236}">
+                <a16:creationId xmlns:a16="http://schemas.microsoft.com/office/drawing/2014/main" id="{0321D2A5-98C8-42EF-9C69-27850FF82087}"/>
+              </a:ext>
+            </a:extLst>
+          </p:cNvPr>
+          <p:cNvSpPr>
+            <a:spLocks noGrp="1"/>
+          </p:cNvSpPr>
+          <p:nvPr>
+            <p:ph type="title"/>
+          </p:nvPr>
+        </p:nvSpPr>
+        <p:spPr/>
+        <p:txBody>
+          <a:bodyPr/>
+          <a:lstStyle/>
+          <a:p>
+            <a:r>
+              <a:rPr lang="pt-BR" b="1" dirty="0" err="1"/>
+              <a:t>Contact</a:t>
+            </a:r>
+            <a:endParaRPr lang="en-GB" b="1" dirty="0"/>
+          </a:p>
+        </p:txBody>
+      </p:sp>
+      <p:sp>
+        <p:nvSpPr>
+          <p:cNvPr id="3" name="Espaço Reservado para Conteúdo 2">
+            <a:extLst>
+              <a:ext uri="{FF2B5EF4-FFF2-40B4-BE49-F238E27FC236}">
+                <a16:creationId xmlns:a16="http://schemas.microsoft.com/office/drawing/2014/main" id="{E4466075-6830-4019-B1E2-EEA285434FF8}"/>
+              </a:ext>
+            </a:extLst>
+          </p:cNvPr>
+          <p:cNvSpPr>
+            <a:spLocks noGrp="1"/>
+          </p:cNvSpPr>
+          <p:nvPr>
+            <p:ph idx="1"/>
+          </p:nvPr>
+        </p:nvSpPr>
+        <p:spPr/>
+        <p:txBody>
+          <a:bodyPr/>
+          <a:lstStyle/>
+          <a:p>
+            <a:r>
+              <a:rPr lang="pt-BR" b="1" dirty="0"/>
+              <a:t>Roberto Passos Rodrigues Jr.</a:t>
+            </a:r>
+          </a:p>
+          <a:p>
+            <a:r>
+              <a:rPr lang="pt-BR" dirty="0" err="1"/>
+              <a:t>Developer</a:t>
+            </a:r>
+            <a:r>
+              <a:rPr lang="pt-BR" dirty="0"/>
+              <a:t> / Data </a:t>
+            </a:r>
+            <a:r>
+              <a:rPr lang="pt-BR" dirty="0" err="1"/>
+              <a:t>Engineer</a:t>
+            </a:r>
+            <a:r>
+              <a:rPr lang="pt-BR" dirty="0"/>
+              <a:t> / Tech Lead </a:t>
+            </a:r>
+            <a:r>
+              <a:rPr lang="pt-BR" dirty="0" err="1"/>
+              <a:t>at</a:t>
+            </a:r>
+            <a:r>
+              <a:rPr lang="pt-BR" dirty="0"/>
+              <a:t> </a:t>
+            </a:r>
+            <a:r>
+              <a:rPr lang="pt-BR" dirty="0" err="1"/>
+              <a:t>Natixis</a:t>
+            </a:r>
+            <a:endParaRPr lang="pt-BR" dirty="0"/>
+          </a:p>
+          <a:p>
+            <a:r>
+              <a:rPr lang="pt-BR" dirty="0" err="1"/>
+              <a:t>Email</a:t>
+            </a:r>
+            <a:r>
+              <a:rPr lang="pt-BR" dirty="0"/>
+              <a:t>: </a:t>
+            </a:r>
+            <a:r>
+              <a:rPr lang="pt-BR" dirty="0">
+                <a:hlinkClick r:id="rId2"/>
+              </a:rPr>
+              <a:t>robertoprjr@gmail.com</a:t>
+            </a:r>
+            <a:endParaRPr lang="pt-BR" dirty="0"/>
+          </a:p>
+          <a:p>
+            <a:r>
+              <a:rPr lang="pt-BR" dirty="0"/>
+              <a:t>GitHub: </a:t>
+            </a:r>
+            <a:r>
+              <a:rPr lang="pt-BR" dirty="0">
+                <a:hlinkClick r:id="rId3"/>
+              </a:rPr>
+              <a:t>https://github.com/robertoprjr</a:t>
+            </a:r>
+            <a:endParaRPr lang="pt-BR" dirty="0"/>
+          </a:p>
+          <a:p>
+            <a:r>
+              <a:rPr lang="pt-BR" dirty="0"/>
+              <a:t>LinkedIn: </a:t>
+            </a:r>
+            <a:r>
+              <a:rPr lang="pt-BR" dirty="0">
+                <a:hlinkClick r:id="rId4"/>
+              </a:rPr>
+              <a:t>https://www.linkedin.com/in/roberto-passos-rodrigues-jr/</a:t>
+            </a:r>
+            <a:endParaRPr lang="pt-BR" dirty="0"/>
+          </a:p>
+          <a:p>
+            <a:endParaRPr lang="en-GB" dirty="0"/>
+          </a:p>
+        </p:txBody>
+      </p:sp>
+    </p:spTree>
+    <p:extLst>
+      <p:ext uri="{BB962C8B-B14F-4D97-AF65-F5344CB8AC3E}">
+        <p14:creationId xmlns:p14="http://schemas.microsoft.com/office/powerpoint/2010/main" val="1141082576"/>
       </p:ext>
     </p:extLst>
   </p:cSld>
